--- a/socket通信フローチャート.pptx
+++ b/socket通信フローチャート.pptx
@@ -6,6 +6,9 @@
   </p:sldMasterIdLst>
   <p:sldIdLst>
     <p:sldId id="256" r:id="rId2"/>
+    <p:sldId id="259" r:id="rId3"/>
+    <p:sldId id="258" r:id="rId4"/>
+    <p:sldId id="257" r:id="rId5"/>
   </p:sldIdLst>
   <p:sldSz cx="12192000" cy="6858000"/>
   <p:notesSz cx="6735763" cy="9866313"/>
@@ -104,6 +107,11 @@
       </a:defRPr>
     </a:lvl9pPr>
   </p:defaultTextStyle>
+  <p:extLst>
+    <p:ext uri="{EFAFB233-063F-42B5-8137-9DF3F51BA10A}">
+      <p15:sldGuideLst xmlns:p15="http://schemas.microsoft.com/office/powerpoint/2012/main"/>
+    </p:ext>
+  </p:extLst>
 </p:presentation>
 </file>
 
@@ -238,7 +246,7 @@
           <a:p>
             <a:fld id="{E9CEA21C-484C-4E43-97EC-3597CF04D2CC}" type="datetimeFigureOut">
               <a:rPr kumimoji="1" lang="ja-JP" altLang="en-US" smtClean="0"/>
-              <a:t>2019/7/25</a:t>
+              <a:t>2019/8/27</a:t>
             </a:fld>
             <a:endParaRPr kumimoji="1" lang="ja-JP" altLang="en-US"/>
           </a:p>
@@ -440,7 +448,7 @@
           <a:p>
             <a:fld id="{E9CEA21C-484C-4E43-97EC-3597CF04D2CC}" type="datetimeFigureOut">
               <a:rPr kumimoji="1" lang="ja-JP" altLang="en-US" smtClean="0"/>
-              <a:t>2019/7/25</a:t>
+              <a:t>2019/8/27</a:t>
             </a:fld>
             <a:endParaRPr kumimoji="1" lang="ja-JP" altLang="en-US"/>
           </a:p>
@@ -652,7 +660,7 @@
           <a:p>
             <a:fld id="{E9CEA21C-484C-4E43-97EC-3597CF04D2CC}" type="datetimeFigureOut">
               <a:rPr kumimoji="1" lang="ja-JP" altLang="en-US" smtClean="0"/>
-              <a:t>2019/7/25</a:t>
+              <a:t>2019/8/27</a:t>
             </a:fld>
             <a:endParaRPr kumimoji="1" lang="ja-JP" altLang="en-US"/>
           </a:p>
@@ -854,7 +862,7 @@
           <a:p>
             <a:fld id="{E9CEA21C-484C-4E43-97EC-3597CF04D2CC}" type="datetimeFigureOut">
               <a:rPr kumimoji="1" lang="ja-JP" altLang="en-US" smtClean="0"/>
-              <a:t>2019/7/25</a:t>
+              <a:t>2019/8/27</a:t>
             </a:fld>
             <a:endParaRPr kumimoji="1" lang="ja-JP" altLang="en-US"/>
           </a:p>
@@ -1100,7 +1108,7 @@
           <a:p>
             <a:fld id="{E9CEA21C-484C-4E43-97EC-3597CF04D2CC}" type="datetimeFigureOut">
               <a:rPr kumimoji="1" lang="ja-JP" altLang="en-US" smtClean="0"/>
-              <a:t>2019/7/25</a:t>
+              <a:t>2019/8/27</a:t>
             </a:fld>
             <a:endParaRPr kumimoji="1" lang="ja-JP" altLang="en-US"/>
           </a:p>
@@ -1396,7 +1404,7 @@
           <a:p>
             <a:fld id="{E9CEA21C-484C-4E43-97EC-3597CF04D2CC}" type="datetimeFigureOut">
               <a:rPr kumimoji="1" lang="ja-JP" altLang="en-US" smtClean="0"/>
-              <a:t>2019/7/25</a:t>
+              <a:t>2019/8/27</a:t>
             </a:fld>
             <a:endParaRPr kumimoji="1" lang="ja-JP" altLang="en-US"/>
           </a:p>
@@ -1827,7 +1835,7 @@
           <a:p>
             <a:fld id="{E9CEA21C-484C-4E43-97EC-3597CF04D2CC}" type="datetimeFigureOut">
               <a:rPr kumimoji="1" lang="ja-JP" altLang="en-US" smtClean="0"/>
-              <a:t>2019/7/25</a:t>
+              <a:t>2019/8/27</a:t>
             </a:fld>
             <a:endParaRPr kumimoji="1" lang="ja-JP" altLang="en-US"/>
           </a:p>
@@ -1945,7 +1953,7 @@
           <a:p>
             <a:fld id="{E9CEA21C-484C-4E43-97EC-3597CF04D2CC}" type="datetimeFigureOut">
               <a:rPr kumimoji="1" lang="ja-JP" altLang="en-US" smtClean="0"/>
-              <a:t>2019/7/25</a:t>
+              <a:t>2019/8/27</a:t>
             </a:fld>
             <a:endParaRPr kumimoji="1" lang="ja-JP" altLang="en-US"/>
           </a:p>
@@ -2040,7 +2048,7 @@
           <a:p>
             <a:fld id="{E9CEA21C-484C-4E43-97EC-3597CF04D2CC}" type="datetimeFigureOut">
               <a:rPr kumimoji="1" lang="ja-JP" altLang="en-US" smtClean="0"/>
-              <a:t>2019/7/25</a:t>
+              <a:t>2019/8/27</a:t>
             </a:fld>
             <a:endParaRPr kumimoji="1" lang="ja-JP" altLang="en-US"/>
           </a:p>
@@ -2349,7 +2357,7 @@
           <a:p>
             <a:fld id="{E9CEA21C-484C-4E43-97EC-3597CF04D2CC}" type="datetimeFigureOut">
               <a:rPr kumimoji="1" lang="ja-JP" altLang="en-US" smtClean="0"/>
-              <a:t>2019/7/25</a:t>
+              <a:t>2019/8/27</a:t>
             </a:fld>
             <a:endParaRPr kumimoji="1" lang="ja-JP" altLang="en-US"/>
           </a:p>
@@ -2602,7 +2610,7 @@
           <a:p>
             <a:fld id="{E9CEA21C-484C-4E43-97EC-3597CF04D2CC}" type="datetimeFigureOut">
               <a:rPr kumimoji="1" lang="ja-JP" altLang="en-US" smtClean="0"/>
-              <a:t>2019/7/25</a:t>
+              <a:t>2019/8/27</a:t>
             </a:fld>
             <a:endParaRPr kumimoji="1" lang="ja-JP" altLang="en-US"/>
           </a:p>
@@ -2847,7 +2855,7 @@
           <a:p>
             <a:fld id="{E9CEA21C-484C-4E43-97EC-3597CF04D2CC}" type="datetimeFigureOut">
               <a:rPr kumimoji="1" lang="ja-JP" altLang="en-US" smtClean="0"/>
-              <a:t>2019/7/25</a:t>
+              <a:t>2019/8/27</a:t>
             </a:fld>
             <a:endParaRPr kumimoji="1" lang="ja-JP" altLang="en-US"/>
           </a:p>
@@ -3254,17 +3262,14 @@
       </p:grpSpPr>
       <p:cxnSp>
         <p:nvCxnSpPr>
-          <p:cNvPr id="36" name="直線矢印コネクタ 35"/>
-          <p:cNvCxnSpPr>
-            <a:stCxn id="6" idx="2"/>
-            <a:endCxn id="10" idx="0"/>
-          </p:cNvCxnSpPr>
+          <p:cNvPr id="39" name="直線矢印コネクタ 38"/>
+          <p:cNvCxnSpPr/>
           <p:nvPr/>
         </p:nvCxnSpPr>
         <p:spPr>
           <a:xfrm>
             <a:off x="5308375" y="647362"/>
-            <a:ext cx="0" cy="1657718"/>
+            <a:ext cx="0" cy="4644000"/>
           </a:xfrm>
           <a:prstGeom prst="straightConnector1">
             <a:avLst/>
@@ -3291,19 +3296,588 @@
           </a:fontRef>
         </p:style>
       </p:cxnSp>
+      <p:sp>
+        <p:nvSpPr>
+          <p:cNvPr id="6" name="フローチャート: 代替処理 5"/>
+          <p:cNvSpPr/>
+          <p:nvPr/>
+        </p:nvSpPr>
+        <p:spPr>
+          <a:xfrm>
+            <a:off x="4596276" y="291313"/>
+            <a:ext cx="1424198" cy="356049"/>
+          </a:xfrm>
+          <a:prstGeom prst="flowChartAlternateProcess">
+            <a:avLst/>
+          </a:prstGeom>
+        </p:spPr>
+        <p:style>
+          <a:lnRef idx="2">
+            <a:schemeClr val="accent1">
+              <a:shade val="50000"/>
+            </a:schemeClr>
+          </a:lnRef>
+          <a:fillRef idx="1">
+            <a:schemeClr val="accent1"/>
+          </a:fillRef>
+          <a:effectRef idx="0">
+            <a:schemeClr val="accent1"/>
+          </a:effectRef>
+          <a:fontRef idx="minor">
+            <a:schemeClr val="lt1"/>
+          </a:fontRef>
+        </p:style>
+        <p:txBody>
+          <a:bodyPr rtlCol="0" anchor="ctr"/>
+          <a:lstStyle/>
+          <a:p>
+            <a:pPr algn="ctr"/>
+            <a:r>
+              <a:rPr kumimoji="1" lang="en-US" altLang="ja-JP" dirty="0" smtClean="0"/>
+              <a:t>START</a:t>
+            </a:r>
+            <a:endParaRPr kumimoji="1" lang="ja-JP" altLang="en-US" dirty="0"/>
+          </a:p>
+        </p:txBody>
+      </p:sp>
+      <p:sp>
+        <p:nvSpPr>
+          <p:cNvPr id="40" name="フローチャート: 判断 39"/>
+          <p:cNvSpPr/>
+          <p:nvPr/>
+        </p:nvSpPr>
+        <p:spPr>
+          <a:xfrm>
+            <a:off x="4465558" y="3325615"/>
+            <a:ext cx="1699328" cy="524211"/>
+          </a:xfrm>
+          <a:prstGeom prst="flowChartDecision">
+            <a:avLst/>
+          </a:prstGeom>
+        </p:spPr>
+        <p:style>
+          <a:lnRef idx="2">
+            <a:schemeClr val="accent1">
+              <a:shade val="50000"/>
+            </a:schemeClr>
+          </a:lnRef>
+          <a:fillRef idx="1">
+            <a:schemeClr val="accent1"/>
+          </a:fillRef>
+          <a:effectRef idx="0">
+            <a:schemeClr val="accent1"/>
+          </a:effectRef>
+          <a:fontRef idx="minor">
+            <a:schemeClr val="lt1"/>
+          </a:fontRef>
+        </p:style>
+        <p:txBody>
+          <a:bodyPr rtlCol="0" anchor="ctr"/>
+          <a:lstStyle/>
+          <a:p>
+            <a:pPr algn="ctr"/>
+            <a:r>
+              <a:rPr kumimoji="1" lang="en-US" altLang="ja-JP" sz="1200" dirty="0" smtClean="0"/>
+              <a:t>1</a:t>
+            </a:r>
+            <a:r>
+              <a:rPr kumimoji="1" lang="ja-JP" altLang="en-US" sz="1200" dirty="0" smtClean="0"/>
+              <a:t>分経過</a:t>
+            </a:r>
+            <a:endParaRPr kumimoji="1" lang="ja-JP" altLang="en-US" sz="1200" dirty="0"/>
+          </a:p>
+        </p:txBody>
+      </p:sp>
+      <p:sp>
+        <p:nvSpPr>
+          <p:cNvPr id="68" name="フローチャート: 定義済み処理 67"/>
+          <p:cNvSpPr/>
+          <p:nvPr/>
+        </p:nvSpPr>
+        <p:spPr>
+          <a:xfrm>
+            <a:off x="7021395" y="3417693"/>
+            <a:ext cx="1419225" cy="342522"/>
+          </a:xfrm>
+          <a:prstGeom prst="flowChartPredefinedProcess">
+            <a:avLst/>
+          </a:prstGeom>
+          <a:solidFill>
+            <a:schemeClr val="accent1">
+              <a:lumMod val="40000"/>
+              <a:lumOff val="60000"/>
+            </a:schemeClr>
+          </a:solidFill>
+        </p:spPr>
+        <p:style>
+          <a:lnRef idx="2">
+            <a:schemeClr val="accent1">
+              <a:shade val="50000"/>
+            </a:schemeClr>
+          </a:lnRef>
+          <a:fillRef idx="1">
+            <a:schemeClr val="accent1"/>
+          </a:fillRef>
+          <a:effectRef idx="0">
+            <a:schemeClr val="accent1"/>
+          </a:effectRef>
+          <a:fontRef idx="minor">
+            <a:schemeClr val="lt1"/>
+          </a:fontRef>
+        </p:style>
+        <p:txBody>
+          <a:bodyPr rtlCol="0" anchor="ctr"/>
+          <a:lstStyle/>
+          <a:p>
+            <a:pPr algn="ctr"/>
+            <a:r>
+              <a:rPr lang="ja-JP" altLang="en-US" sz="1200" dirty="0" smtClean="0">
+                <a:solidFill>
+                  <a:schemeClr val="tx1"/>
+                </a:solidFill>
+              </a:rPr>
+              <a:t>通信</a:t>
+            </a:r>
+            <a:r>
+              <a:rPr lang="ja-JP" altLang="en-US" sz="1200" dirty="0">
+                <a:solidFill>
+                  <a:schemeClr val="tx1"/>
+                </a:solidFill>
+              </a:rPr>
+              <a:t>保持</a:t>
+            </a:r>
+            <a:endParaRPr kumimoji="1" lang="ja-JP" altLang="en-US" sz="1200" dirty="0">
+              <a:solidFill>
+                <a:schemeClr val="tx1"/>
+              </a:solidFill>
+            </a:endParaRPr>
+          </a:p>
+        </p:txBody>
+      </p:sp>
+      <p:sp>
+        <p:nvSpPr>
+          <p:cNvPr id="69" name="フローチャート: 定義済み処理 68"/>
+          <p:cNvSpPr/>
+          <p:nvPr/>
+        </p:nvSpPr>
+        <p:spPr>
+          <a:xfrm>
+            <a:off x="7021395" y="5080068"/>
+            <a:ext cx="1419225" cy="342522"/>
+          </a:xfrm>
+          <a:prstGeom prst="flowChartPredefinedProcess">
+            <a:avLst/>
+          </a:prstGeom>
+          <a:solidFill>
+            <a:schemeClr val="accent1">
+              <a:lumMod val="40000"/>
+              <a:lumOff val="60000"/>
+            </a:schemeClr>
+          </a:solidFill>
+        </p:spPr>
+        <p:style>
+          <a:lnRef idx="2">
+            <a:schemeClr val="accent1">
+              <a:shade val="50000"/>
+            </a:schemeClr>
+          </a:lnRef>
+          <a:fillRef idx="1">
+            <a:schemeClr val="accent1"/>
+          </a:fillRef>
+          <a:effectRef idx="0">
+            <a:schemeClr val="accent1"/>
+          </a:effectRef>
+          <a:fontRef idx="minor">
+            <a:schemeClr val="lt1"/>
+          </a:fontRef>
+        </p:style>
+        <p:txBody>
+          <a:bodyPr rtlCol="0" anchor="ctr"/>
+          <a:lstStyle/>
+          <a:p>
+            <a:pPr algn="ctr"/>
+            <a:r>
+              <a:rPr kumimoji="1" lang="ja-JP" altLang="en-US" sz="1200" dirty="0" smtClean="0">
+                <a:solidFill>
+                  <a:schemeClr val="tx1"/>
+                </a:solidFill>
+              </a:rPr>
+              <a:t>個人認証</a:t>
+            </a:r>
+            <a:endParaRPr kumimoji="1" lang="ja-JP" altLang="en-US" sz="1200" dirty="0">
+              <a:solidFill>
+                <a:schemeClr val="tx1"/>
+              </a:solidFill>
+            </a:endParaRPr>
+          </a:p>
+        </p:txBody>
+      </p:sp>
+      <p:sp>
+        <p:nvSpPr>
+          <p:cNvPr id="70" name="フローチャート: 定義済み処理 69"/>
+          <p:cNvSpPr/>
+          <p:nvPr/>
+        </p:nvSpPr>
+        <p:spPr>
+          <a:xfrm>
+            <a:off x="4628644" y="1081174"/>
+            <a:ext cx="1419225" cy="342522"/>
+          </a:xfrm>
+          <a:prstGeom prst="flowChartPredefinedProcess">
+            <a:avLst/>
+          </a:prstGeom>
+          <a:solidFill>
+            <a:schemeClr val="accent1">
+              <a:lumMod val="40000"/>
+              <a:lumOff val="60000"/>
+            </a:schemeClr>
+          </a:solidFill>
+        </p:spPr>
+        <p:style>
+          <a:lnRef idx="2">
+            <a:schemeClr val="accent1">
+              <a:shade val="50000"/>
+            </a:schemeClr>
+          </a:lnRef>
+          <a:fillRef idx="1">
+            <a:schemeClr val="accent1"/>
+          </a:fillRef>
+          <a:effectRef idx="0">
+            <a:schemeClr val="accent1"/>
+          </a:effectRef>
+          <a:fontRef idx="minor">
+            <a:schemeClr val="lt1"/>
+          </a:fontRef>
+        </p:style>
+        <p:txBody>
+          <a:bodyPr rtlCol="0" anchor="ctr"/>
+          <a:lstStyle/>
+          <a:p>
+            <a:pPr algn="ctr"/>
+            <a:r>
+              <a:rPr kumimoji="1" lang="ja-JP" altLang="en-US" sz="1200" dirty="0" smtClean="0">
+                <a:solidFill>
+                  <a:schemeClr val="tx1"/>
+                </a:solidFill>
+              </a:rPr>
+              <a:t>接続確立</a:t>
+            </a:r>
+            <a:endParaRPr kumimoji="1" lang="ja-JP" altLang="en-US" sz="1200" dirty="0">
+              <a:solidFill>
+                <a:schemeClr val="tx1"/>
+              </a:solidFill>
+            </a:endParaRPr>
+          </a:p>
+        </p:txBody>
+      </p:sp>
+      <p:sp>
+        <p:nvSpPr>
+          <p:cNvPr id="35" name="フローチャート: 定義済み処理 34"/>
+          <p:cNvSpPr/>
+          <p:nvPr/>
+        </p:nvSpPr>
+        <p:spPr>
+          <a:xfrm>
+            <a:off x="4628643" y="4286820"/>
+            <a:ext cx="1419225" cy="342522"/>
+          </a:xfrm>
+          <a:prstGeom prst="flowChartPredefinedProcess">
+            <a:avLst/>
+          </a:prstGeom>
+          <a:solidFill>
+            <a:schemeClr val="accent4">
+              <a:lumMod val="40000"/>
+              <a:lumOff val="60000"/>
+            </a:schemeClr>
+          </a:solidFill>
+        </p:spPr>
+        <p:style>
+          <a:lnRef idx="2">
+            <a:schemeClr val="accent1">
+              <a:shade val="50000"/>
+            </a:schemeClr>
+          </a:lnRef>
+          <a:fillRef idx="1">
+            <a:schemeClr val="accent1"/>
+          </a:fillRef>
+          <a:effectRef idx="0">
+            <a:schemeClr val="accent1"/>
+          </a:effectRef>
+          <a:fontRef idx="minor">
+            <a:schemeClr val="lt1"/>
+          </a:fontRef>
+        </p:style>
+        <p:txBody>
+          <a:bodyPr rtlCol="0" anchor="ctr"/>
+          <a:lstStyle/>
+          <a:p>
+            <a:pPr algn="ctr"/>
+            <a:r>
+              <a:rPr lang="en-US" altLang="ja-JP" sz="1200" dirty="0" smtClean="0">
+                <a:solidFill>
+                  <a:schemeClr val="tx1"/>
+                </a:solidFill>
+              </a:rPr>
+              <a:t>DB</a:t>
+            </a:r>
+            <a:r>
+              <a:rPr lang="ja-JP" altLang="en-US" sz="1200" dirty="0" smtClean="0">
+                <a:solidFill>
+                  <a:schemeClr val="tx1"/>
+                </a:solidFill>
+              </a:rPr>
+              <a:t>検索</a:t>
+            </a:r>
+            <a:endParaRPr kumimoji="1" lang="ja-JP" altLang="en-US" sz="1200" dirty="0">
+              <a:solidFill>
+                <a:schemeClr val="tx1"/>
+              </a:solidFill>
+            </a:endParaRPr>
+          </a:p>
+        </p:txBody>
+      </p:sp>
+      <p:sp>
+        <p:nvSpPr>
+          <p:cNvPr id="37" name="フローチャート: 判断 36"/>
+          <p:cNvSpPr/>
+          <p:nvPr/>
+        </p:nvSpPr>
+        <p:spPr>
+          <a:xfrm>
+            <a:off x="4458711" y="5032897"/>
+            <a:ext cx="1699328" cy="524211"/>
+          </a:xfrm>
+          <a:prstGeom prst="flowChartDecision">
+            <a:avLst/>
+          </a:prstGeom>
+        </p:spPr>
+        <p:style>
+          <a:lnRef idx="2">
+            <a:schemeClr val="accent1">
+              <a:shade val="50000"/>
+            </a:schemeClr>
+          </a:lnRef>
+          <a:fillRef idx="1">
+            <a:schemeClr val="accent1"/>
+          </a:fillRef>
+          <a:effectRef idx="0">
+            <a:schemeClr val="accent1"/>
+          </a:effectRef>
+          <a:fontRef idx="minor">
+            <a:schemeClr val="lt1"/>
+          </a:fontRef>
+        </p:style>
+        <p:txBody>
+          <a:bodyPr rtlCol="0" anchor="ctr"/>
+          <a:lstStyle/>
+          <a:p>
+            <a:pPr algn="ctr"/>
+            <a:r>
+              <a:rPr kumimoji="1" lang="ja-JP" altLang="en-US" sz="1200" dirty="0" smtClean="0"/>
+              <a:t>データあり</a:t>
+            </a:r>
+            <a:endParaRPr kumimoji="1" lang="ja-JP" altLang="en-US" sz="1200" dirty="0"/>
+          </a:p>
+        </p:txBody>
+      </p:sp>
+      <p:sp>
+        <p:nvSpPr>
+          <p:cNvPr id="38" name="フローチャート: 定義済み処理 37"/>
+          <p:cNvSpPr/>
+          <p:nvPr/>
+        </p:nvSpPr>
+        <p:spPr>
+          <a:xfrm>
+            <a:off x="7021395" y="5842068"/>
+            <a:ext cx="1419225" cy="342522"/>
+          </a:xfrm>
+          <a:prstGeom prst="flowChartPredefinedProcess">
+            <a:avLst/>
+          </a:prstGeom>
+          <a:solidFill>
+            <a:schemeClr val="accent4">
+              <a:lumMod val="40000"/>
+              <a:lumOff val="60000"/>
+            </a:schemeClr>
+          </a:solidFill>
+        </p:spPr>
+        <p:style>
+          <a:lnRef idx="2">
+            <a:schemeClr val="accent1">
+              <a:shade val="50000"/>
+            </a:schemeClr>
+          </a:lnRef>
+          <a:fillRef idx="1">
+            <a:schemeClr val="accent1"/>
+          </a:fillRef>
+          <a:effectRef idx="0">
+            <a:schemeClr val="accent1"/>
+          </a:effectRef>
+          <a:fontRef idx="minor">
+            <a:schemeClr val="lt1"/>
+          </a:fontRef>
+        </p:style>
+        <p:txBody>
+          <a:bodyPr rtlCol="0" anchor="ctr"/>
+          <a:lstStyle/>
+          <a:p>
+            <a:pPr algn="ctr"/>
+            <a:r>
+              <a:rPr kumimoji="1" lang="ja-JP" altLang="en-US" sz="1200" dirty="0" smtClean="0">
+                <a:solidFill>
+                  <a:schemeClr val="tx1"/>
+                </a:solidFill>
+              </a:rPr>
+              <a:t>データ削除</a:t>
+            </a:r>
+            <a:endParaRPr kumimoji="1" lang="ja-JP" altLang="en-US" sz="1200" dirty="0">
+              <a:solidFill>
+                <a:schemeClr val="tx1"/>
+              </a:solidFill>
+            </a:endParaRPr>
+          </a:p>
+        </p:txBody>
+      </p:sp>
+      <p:sp>
+        <p:nvSpPr>
+          <p:cNvPr id="33" name="フローチャート: 定義済み処理 32"/>
+          <p:cNvSpPr/>
+          <p:nvPr/>
+        </p:nvSpPr>
+        <p:spPr>
+          <a:xfrm>
+            <a:off x="4628643" y="1809011"/>
+            <a:ext cx="1419225" cy="342522"/>
+          </a:xfrm>
+          <a:prstGeom prst="flowChartPredefinedProcess">
+            <a:avLst/>
+          </a:prstGeom>
+          <a:solidFill>
+            <a:schemeClr val="accent1">
+              <a:lumMod val="40000"/>
+              <a:lumOff val="60000"/>
+            </a:schemeClr>
+          </a:solidFill>
+        </p:spPr>
+        <p:style>
+          <a:lnRef idx="2">
+            <a:schemeClr val="accent1">
+              <a:shade val="50000"/>
+            </a:schemeClr>
+          </a:lnRef>
+          <a:fillRef idx="1">
+            <a:schemeClr val="accent1"/>
+          </a:fillRef>
+          <a:effectRef idx="0">
+            <a:schemeClr val="accent1"/>
+          </a:effectRef>
+          <a:fontRef idx="minor">
+            <a:schemeClr val="lt1"/>
+          </a:fontRef>
+        </p:style>
+        <p:txBody>
+          <a:bodyPr rtlCol="0" anchor="ctr"/>
+          <a:lstStyle/>
+          <a:p>
+            <a:pPr algn="ctr"/>
+            <a:r>
+              <a:rPr kumimoji="1" lang="ja-JP" altLang="en-US" sz="1200" dirty="0" smtClean="0">
+                <a:solidFill>
+                  <a:schemeClr val="tx1"/>
+                </a:solidFill>
+              </a:rPr>
+              <a:t>接続通知</a:t>
+            </a:r>
+            <a:endParaRPr kumimoji="1" lang="ja-JP" altLang="en-US" sz="1200" dirty="0">
+              <a:solidFill>
+                <a:schemeClr val="tx1"/>
+              </a:solidFill>
+            </a:endParaRPr>
+          </a:p>
+        </p:txBody>
+      </p:sp>
       <p:cxnSp>
         <p:nvCxnSpPr>
-          <p:cNvPr id="73" name="直線矢印コネクタ 72"/>
-          <p:cNvCxnSpPr>
-            <a:stCxn id="10" idx="2"/>
-            <a:endCxn id="69" idx="0"/>
-          </p:cNvCxnSpPr>
+          <p:cNvPr id="43" name="直線矢印コネクタ 42"/>
+          <p:cNvCxnSpPr/>
           <p:nvPr/>
         </p:nvCxnSpPr>
         <p:spPr>
           <a:xfrm>
-            <a:off x="5328731" y="2829291"/>
-            <a:ext cx="0" cy="1516878"/>
+            <a:off x="6272948" y="3587721"/>
+            <a:ext cx="679605" cy="1233"/>
+          </a:xfrm>
+          <a:prstGeom prst="straightConnector1">
+            <a:avLst/>
+          </a:prstGeom>
+          <a:ln>
+            <a:solidFill>
+              <a:schemeClr val="tx1"/>
+            </a:solidFill>
+            <a:tailEnd type="triangle"/>
+          </a:ln>
+        </p:spPr>
+        <p:style>
+          <a:lnRef idx="1">
+            <a:schemeClr val="accent1"/>
+          </a:lnRef>
+          <a:fillRef idx="0">
+            <a:schemeClr val="accent1"/>
+          </a:fillRef>
+          <a:effectRef idx="0">
+            <a:schemeClr val="accent1"/>
+          </a:effectRef>
+          <a:fontRef idx="minor">
+            <a:schemeClr val="tx1"/>
+          </a:fontRef>
+        </p:style>
+      </p:cxnSp>
+      <p:cxnSp>
+        <p:nvCxnSpPr>
+          <p:cNvPr id="44" name="直線矢印コネクタ 43"/>
+          <p:cNvCxnSpPr/>
+          <p:nvPr/>
+        </p:nvCxnSpPr>
+        <p:spPr>
+          <a:xfrm>
+            <a:off x="6231315" y="5293769"/>
+            <a:ext cx="679605" cy="1233"/>
+          </a:xfrm>
+          <a:prstGeom prst="straightConnector1">
+            <a:avLst/>
+          </a:prstGeom>
+          <a:ln>
+            <a:solidFill>
+              <a:schemeClr val="tx1"/>
+            </a:solidFill>
+            <a:tailEnd type="triangle"/>
+          </a:ln>
+        </p:spPr>
+        <p:style>
+          <a:lnRef idx="1">
+            <a:schemeClr val="accent1"/>
+          </a:lnRef>
+          <a:fillRef idx="0">
+            <a:schemeClr val="accent1"/>
+          </a:fillRef>
+          <a:effectRef idx="0">
+            <a:schemeClr val="accent1"/>
+          </a:effectRef>
+          <a:fontRef idx="minor">
+            <a:schemeClr val="tx1"/>
+          </a:fontRef>
+        </p:style>
+      </p:cxnSp>
+      <p:cxnSp>
+        <p:nvCxnSpPr>
+          <p:cNvPr id="45" name="直線矢印コネクタ 44"/>
+          <p:cNvCxnSpPr/>
+          <p:nvPr/>
+        </p:nvCxnSpPr>
+        <p:spPr>
+          <a:xfrm>
+            <a:off x="3717559" y="5306469"/>
+            <a:ext cx="720000" cy="0"/>
           </a:xfrm>
           <a:prstGeom prst="straightConnector1">
             <a:avLst/>
@@ -3330,148 +3904,16 @@
           </a:fontRef>
         </p:style>
       </p:cxnSp>
-      <p:sp>
-        <p:nvSpPr>
-          <p:cNvPr id="6" name="フローチャート: 代替処理 5"/>
-          <p:cNvSpPr/>
-          <p:nvPr/>
-        </p:nvSpPr>
-        <p:spPr>
-          <a:xfrm>
-            <a:off x="4596276" y="291313"/>
-            <a:ext cx="1424198" cy="356049"/>
-          </a:xfrm>
-          <a:prstGeom prst="flowChartAlternateProcess">
-            <a:avLst/>
-          </a:prstGeom>
-        </p:spPr>
-        <p:style>
-          <a:lnRef idx="2">
-            <a:schemeClr val="accent1">
-              <a:shade val="50000"/>
-            </a:schemeClr>
-          </a:lnRef>
-          <a:fillRef idx="1">
-            <a:schemeClr val="accent1"/>
-          </a:fillRef>
-          <a:effectRef idx="0">
-            <a:schemeClr val="accent1"/>
-          </a:effectRef>
-          <a:fontRef idx="minor">
-            <a:schemeClr val="lt1"/>
-          </a:fontRef>
-        </p:style>
-        <p:txBody>
-          <a:bodyPr rtlCol="0" anchor="ctr"/>
-          <a:lstStyle/>
-          <a:p>
-            <a:pPr algn="ctr"/>
-            <a:r>
-              <a:rPr kumimoji="1" lang="en-US" altLang="ja-JP" dirty="0" smtClean="0"/>
-              <a:t>START</a:t>
-            </a:r>
-            <a:endParaRPr kumimoji="1" lang="ja-JP" altLang="en-US" dirty="0"/>
-          </a:p>
-        </p:txBody>
-      </p:sp>
-      <p:sp>
-        <p:nvSpPr>
-          <p:cNvPr id="7" name="フローチャート: 代替処理 6"/>
-          <p:cNvSpPr/>
-          <p:nvPr/>
-        </p:nvSpPr>
-        <p:spPr>
-          <a:xfrm>
-            <a:off x="4628644" y="6064233"/>
-            <a:ext cx="1424198" cy="356049"/>
-          </a:xfrm>
-          <a:prstGeom prst="flowChartAlternateProcess">
-            <a:avLst/>
-          </a:prstGeom>
-        </p:spPr>
-        <p:style>
-          <a:lnRef idx="2">
-            <a:schemeClr val="accent1">
-              <a:shade val="50000"/>
-            </a:schemeClr>
-          </a:lnRef>
-          <a:fillRef idx="1">
-            <a:schemeClr val="accent1"/>
-          </a:fillRef>
-          <a:effectRef idx="0">
-            <a:schemeClr val="accent1"/>
-          </a:effectRef>
-          <a:fontRef idx="minor">
-            <a:schemeClr val="lt1"/>
-          </a:fontRef>
-        </p:style>
-        <p:txBody>
-          <a:bodyPr rtlCol="0" anchor="ctr"/>
-          <a:lstStyle/>
-          <a:p>
-            <a:pPr algn="ctr"/>
-            <a:r>
-              <a:rPr kumimoji="1" lang="en-US" altLang="ja-JP" dirty="0" smtClean="0"/>
-              <a:t>END</a:t>
-            </a:r>
-            <a:endParaRPr kumimoji="1" lang="ja-JP" altLang="en-US" dirty="0"/>
-          </a:p>
-        </p:txBody>
-      </p:sp>
-      <p:sp>
-        <p:nvSpPr>
-          <p:cNvPr id="10" name="フローチャート: 判断 9"/>
-          <p:cNvSpPr/>
-          <p:nvPr/>
-        </p:nvSpPr>
-        <p:spPr>
-          <a:xfrm>
-            <a:off x="4479067" y="2305080"/>
-            <a:ext cx="1699328" cy="524211"/>
-          </a:xfrm>
-          <a:prstGeom prst="flowChartDecision">
-            <a:avLst/>
-          </a:prstGeom>
-        </p:spPr>
-        <p:style>
-          <a:lnRef idx="2">
-            <a:schemeClr val="accent1">
-              <a:shade val="50000"/>
-            </a:schemeClr>
-          </a:lnRef>
-          <a:fillRef idx="1">
-            <a:schemeClr val="accent1"/>
-          </a:fillRef>
-          <a:effectRef idx="0">
-            <a:schemeClr val="accent1"/>
-          </a:effectRef>
-          <a:fontRef idx="minor">
-            <a:schemeClr val="lt1"/>
-          </a:fontRef>
-        </p:style>
-        <p:txBody>
-          <a:bodyPr rtlCol="0" anchor="ctr"/>
-          <a:lstStyle/>
-          <a:p>
-            <a:pPr algn="ctr"/>
-            <a:r>
-              <a:rPr kumimoji="1" lang="ja-JP" altLang="en-US" sz="1100" dirty="0" smtClean="0"/>
-              <a:t>要求あり？</a:t>
-            </a:r>
-            <a:endParaRPr kumimoji="1" lang="ja-JP" altLang="en-US" sz="1100" dirty="0"/>
-          </a:p>
-        </p:txBody>
-      </p:sp>
       <p:cxnSp>
         <p:nvCxnSpPr>
-          <p:cNvPr id="17" name="直線矢印コネクタ 16"/>
+          <p:cNvPr id="46" name="直線矢印コネクタ 45"/>
           <p:cNvCxnSpPr/>
           <p:nvPr/>
         </p:nvCxnSpPr>
         <p:spPr>
-          <a:xfrm>
-            <a:off x="2945501" y="2549368"/>
-            <a:ext cx="0" cy="3202719"/>
+          <a:xfrm flipH="1">
+            <a:off x="3717559" y="3601935"/>
+            <a:ext cx="0" cy="1704534"/>
           </a:xfrm>
           <a:prstGeom prst="straightConnector1">
             <a:avLst/>
@@ -3500,50 +3942,14 @@
       </p:cxnSp>
       <p:cxnSp>
         <p:nvCxnSpPr>
-          <p:cNvPr id="21" name="直線矢印コネクタ 20"/>
+          <p:cNvPr id="48" name="直線矢印コネクタ 47"/>
           <p:cNvCxnSpPr/>
           <p:nvPr/>
         </p:nvCxnSpPr>
         <p:spPr>
           <a:xfrm>
-            <a:off x="2937514" y="2567185"/>
-            <a:ext cx="1548000" cy="0"/>
-          </a:xfrm>
-          <a:prstGeom prst="straightConnector1">
-            <a:avLst/>
-          </a:prstGeom>
-          <a:ln>
-            <a:solidFill>
-              <a:schemeClr val="tx1"/>
-            </a:solidFill>
-            <a:tailEnd type="none"/>
-          </a:ln>
-        </p:spPr>
-        <p:style>
-          <a:lnRef idx="1">
-            <a:schemeClr val="accent1"/>
-          </a:lnRef>
-          <a:fillRef idx="0">
-            <a:schemeClr val="accent1"/>
-          </a:fillRef>
-          <a:effectRef idx="0">
-            <a:schemeClr val="accent1"/>
-          </a:effectRef>
-          <a:fontRef idx="minor">
-            <a:schemeClr val="tx1"/>
-          </a:fontRef>
-        </p:style>
-      </p:cxnSp>
-      <p:cxnSp>
-        <p:nvCxnSpPr>
-          <p:cNvPr id="26" name="直線矢印コネクタ 25"/>
-          <p:cNvCxnSpPr/>
-          <p:nvPr/>
-        </p:nvCxnSpPr>
-        <p:spPr>
-          <a:xfrm>
-            <a:off x="2945501" y="5752087"/>
-            <a:ext cx="1683143" cy="0"/>
+            <a:off x="3717559" y="3597180"/>
+            <a:ext cx="720000" cy="0"/>
           </a:xfrm>
           <a:prstGeom prst="straightConnector1">
             <a:avLst/>
@@ -3570,233 +3976,16 @@
           </a:fontRef>
         </p:style>
       </p:cxnSp>
-      <p:sp>
-        <p:nvSpPr>
-          <p:cNvPr id="31" name="テキスト ボックス 30"/>
-          <p:cNvSpPr txBox="1"/>
-          <p:nvPr/>
-        </p:nvSpPr>
-        <p:spPr>
-          <a:xfrm>
-            <a:off x="3929555" y="2264336"/>
-            <a:ext cx="492443" cy="276999"/>
-          </a:xfrm>
-          <a:prstGeom prst="rect">
-            <a:avLst/>
-          </a:prstGeom>
-          <a:noFill/>
-        </p:spPr>
-        <p:txBody>
-          <a:bodyPr wrap="none" rtlCol="0">
-            <a:spAutoFit/>
-          </a:bodyPr>
-          <a:lstStyle/>
-          <a:p>
-            <a:r>
-              <a:rPr lang="ja-JP" altLang="en-US" sz="1200" dirty="0"/>
-              <a:t>終了</a:t>
-            </a:r>
-            <a:endParaRPr kumimoji="1" lang="ja-JP" altLang="en-US" sz="1200" dirty="0"/>
-          </a:p>
-        </p:txBody>
-      </p:sp>
       <p:cxnSp>
         <p:nvCxnSpPr>
-          <p:cNvPr id="32" name="直線矢印コネクタ 31"/>
-          <p:cNvCxnSpPr>
-            <a:stCxn id="10" idx="3"/>
-            <a:endCxn id="40" idx="1"/>
-          </p:cNvCxnSpPr>
+          <p:cNvPr id="49" name="直線矢印コネクタ 48"/>
+          <p:cNvCxnSpPr/>
           <p:nvPr/>
         </p:nvCxnSpPr>
         <p:spPr>
           <a:xfrm>
-            <a:off x="6178395" y="2567186"/>
-            <a:ext cx="679605" cy="1233"/>
-          </a:xfrm>
-          <a:prstGeom prst="straightConnector1">
-            <a:avLst/>
-          </a:prstGeom>
-          <a:ln>
-            <a:solidFill>
-              <a:schemeClr val="tx1"/>
-            </a:solidFill>
-            <a:tailEnd type="triangle"/>
-          </a:ln>
-        </p:spPr>
-        <p:style>
-          <a:lnRef idx="1">
-            <a:schemeClr val="accent1"/>
-          </a:lnRef>
-          <a:fillRef idx="0">
-            <a:schemeClr val="accent1"/>
-          </a:fillRef>
-          <a:effectRef idx="0">
-            <a:schemeClr val="accent1"/>
-          </a:effectRef>
-          <a:fontRef idx="minor">
-            <a:schemeClr val="tx1"/>
-          </a:fontRef>
-        </p:style>
-      </p:cxnSp>
-      <p:sp>
-        <p:nvSpPr>
-          <p:cNvPr id="34" name="テキスト ボックス 33"/>
-          <p:cNvSpPr txBox="1"/>
-          <p:nvPr/>
-        </p:nvSpPr>
-        <p:spPr>
-          <a:xfrm>
-            <a:off x="6296698" y="2265666"/>
-            <a:ext cx="386644" cy="276999"/>
-          </a:xfrm>
-          <a:prstGeom prst="rect">
-            <a:avLst/>
-          </a:prstGeom>
-          <a:noFill/>
-        </p:spPr>
-        <p:txBody>
-          <a:bodyPr wrap="none" rtlCol="0">
-            <a:spAutoFit/>
-          </a:bodyPr>
-          <a:lstStyle/>
-          <a:p>
-            <a:r>
-              <a:rPr kumimoji="1" lang="en-US" altLang="ja-JP" sz="1200" dirty="0" smtClean="0"/>
-              <a:t>NO</a:t>
-            </a:r>
-            <a:endParaRPr kumimoji="1" lang="ja-JP" altLang="en-US" sz="1200" dirty="0"/>
-          </a:p>
-        </p:txBody>
-      </p:sp>
-      <p:sp>
-        <p:nvSpPr>
-          <p:cNvPr id="40" name="フローチャート: 判断 39"/>
-          <p:cNvSpPr/>
-          <p:nvPr/>
-        </p:nvSpPr>
-        <p:spPr>
-          <a:xfrm>
-            <a:off x="6858000" y="2306313"/>
-            <a:ext cx="1699328" cy="524211"/>
-          </a:xfrm>
-          <a:prstGeom prst="flowChartDecision">
-            <a:avLst/>
-          </a:prstGeom>
-        </p:spPr>
-        <p:style>
-          <a:lnRef idx="2">
-            <a:schemeClr val="accent1">
-              <a:shade val="50000"/>
-            </a:schemeClr>
-          </a:lnRef>
-          <a:fillRef idx="1">
-            <a:schemeClr val="accent1"/>
-          </a:fillRef>
-          <a:effectRef idx="0">
-            <a:schemeClr val="accent1"/>
-          </a:effectRef>
-          <a:fontRef idx="minor">
-            <a:schemeClr val="lt1"/>
-          </a:fontRef>
-        </p:style>
-        <p:txBody>
-          <a:bodyPr rtlCol="0" anchor="ctr"/>
-          <a:lstStyle/>
-          <a:p>
-            <a:pPr algn="ctr"/>
-            <a:r>
-              <a:rPr kumimoji="1" lang="en-US" altLang="ja-JP" sz="1200" dirty="0" smtClean="0"/>
-              <a:t>1</a:t>
-            </a:r>
-            <a:r>
-              <a:rPr kumimoji="1" lang="ja-JP" altLang="en-US" sz="1200" dirty="0" smtClean="0"/>
-              <a:t>分経過</a:t>
-            </a:r>
-            <a:endParaRPr kumimoji="1" lang="ja-JP" altLang="en-US" sz="1200" dirty="0"/>
-          </a:p>
-        </p:txBody>
-      </p:sp>
-      <p:cxnSp>
-        <p:nvCxnSpPr>
-          <p:cNvPr id="41" name="直線矢印コネクタ 40"/>
-          <p:cNvCxnSpPr>
-            <a:stCxn id="40" idx="3"/>
-          </p:cNvCxnSpPr>
-          <p:nvPr/>
-        </p:nvCxnSpPr>
-        <p:spPr>
-          <a:xfrm>
-            <a:off x="8557328" y="2568419"/>
-            <a:ext cx="722316" cy="0"/>
-          </a:xfrm>
-          <a:prstGeom prst="straightConnector1">
-            <a:avLst/>
-          </a:prstGeom>
-          <a:ln>
-            <a:solidFill>
-              <a:schemeClr val="tx1"/>
-            </a:solidFill>
-            <a:tailEnd type="triangle"/>
-          </a:ln>
-        </p:spPr>
-        <p:style>
-          <a:lnRef idx="1">
-            <a:schemeClr val="accent1"/>
-          </a:lnRef>
-          <a:fillRef idx="0">
-            <a:schemeClr val="accent1"/>
-          </a:fillRef>
-          <a:effectRef idx="0">
-            <a:schemeClr val="accent1"/>
-          </a:effectRef>
-          <a:fontRef idx="minor">
-            <a:schemeClr val="tx1"/>
-          </a:fontRef>
-        </p:style>
-      </p:cxnSp>
-      <p:sp>
-        <p:nvSpPr>
-          <p:cNvPr id="42" name="テキスト ボックス 41"/>
-          <p:cNvSpPr txBox="1"/>
-          <p:nvPr/>
-        </p:nvSpPr>
-        <p:spPr>
-          <a:xfrm>
-            <a:off x="8630450" y="2275145"/>
-            <a:ext cx="404406" cy="276999"/>
-          </a:xfrm>
-          <a:prstGeom prst="rect">
-            <a:avLst/>
-          </a:prstGeom>
-          <a:noFill/>
-        </p:spPr>
-        <p:txBody>
-          <a:bodyPr wrap="none" rtlCol="0">
-            <a:spAutoFit/>
-          </a:bodyPr>
-          <a:lstStyle/>
-          <a:p>
-            <a:r>
-              <a:rPr kumimoji="1" lang="en-US" altLang="ja-JP" sz="1200" dirty="0" smtClean="0"/>
-              <a:t>YES</a:t>
-            </a:r>
-            <a:endParaRPr kumimoji="1" lang="ja-JP" altLang="en-US" sz="1200" dirty="0"/>
-          </a:p>
-        </p:txBody>
-      </p:sp>
-      <p:cxnSp>
-        <p:nvCxnSpPr>
-          <p:cNvPr id="47" name="直線矢印コネクタ 46"/>
-          <p:cNvCxnSpPr>
-            <a:stCxn id="40" idx="0"/>
-          </p:cNvCxnSpPr>
-          <p:nvPr/>
-        </p:nvCxnSpPr>
-        <p:spPr>
-          <a:xfrm flipV="1">
-            <a:off x="7707664" y="1633813"/>
-            <a:ext cx="0" cy="672500"/>
+            <a:off x="7731007" y="5469368"/>
+            <a:ext cx="0" cy="360000"/>
           </a:xfrm>
           <a:prstGeom prst="straightConnector1">
             <a:avLst/>
@@ -3826,14 +4015,14 @@
       </p:cxnSp>
       <p:cxnSp>
         <p:nvCxnSpPr>
-          <p:cNvPr id="51" name="直線矢印コネクタ 50"/>
+          <p:cNvPr id="50" name="直線矢印コネクタ 49"/>
           <p:cNvCxnSpPr/>
           <p:nvPr/>
         </p:nvCxnSpPr>
         <p:spPr>
           <a:xfrm flipH="1">
-            <a:off x="5327426" y="1604668"/>
-            <a:ext cx="5988274" cy="0"/>
+            <a:off x="5413033" y="2671468"/>
+            <a:ext cx="4068000" cy="0"/>
           </a:xfrm>
           <a:prstGeom prst="straightConnector1">
             <a:avLst/>
@@ -3860,255 +4049,90 @@
           </a:fontRef>
         </p:style>
       </p:cxnSp>
-      <p:sp>
-        <p:nvSpPr>
-          <p:cNvPr id="57" name="テキスト ボックス 56"/>
-          <p:cNvSpPr txBox="1"/>
+      <p:cxnSp>
+        <p:nvCxnSpPr>
+          <p:cNvPr id="52" name="直線矢印コネクタ 51"/>
+          <p:cNvCxnSpPr/>
           <p:nvPr/>
-        </p:nvSpPr>
-        <p:spPr>
-          <a:xfrm>
-            <a:off x="7741597" y="1844042"/>
-            <a:ext cx="386644" cy="276999"/>
-          </a:xfrm>
-          <a:prstGeom prst="rect">
+        </p:nvCxnSpPr>
+        <p:spPr>
+          <a:xfrm flipV="1">
+            <a:off x="7664214" y="2671468"/>
+            <a:ext cx="0" cy="675600"/>
+          </a:xfrm>
+          <a:prstGeom prst="straightConnector1">
             <a:avLst/>
           </a:prstGeom>
-          <a:noFill/>
-        </p:spPr>
-        <p:txBody>
-          <a:bodyPr wrap="none" rtlCol="0">
-            <a:spAutoFit/>
-          </a:bodyPr>
-          <a:lstStyle/>
-          <a:p>
-            <a:r>
-              <a:rPr kumimoji="1" lang="en-US" altLang="ja-JP" sz="1200" dirty="0" smtClean="0"/>
-              <a:t>NO</a:t>
-            </a:r>
-            <a:endParaRPr kumimoji="1" lang="ja-JP" altLang="en-US" sz="1200" dirty="0"/>
-          </a:p>
-        </p:txBody>
-      </p:sp>
-      <p:sp>
-        <p:nvSpPr>
-          <p:cNvPr id="59" name="フローチャート: 判断 58"/>
-          <p:cNvSpPr/>
+          <a:ln>
+            <a:solidFill>
+              <a:schemeClr val="tx1"/>
+            </a:solidFill>
+            <a:headEnd type="none"/>
+            <a:tailEnd type="triangle"/>
+          </a:ln>
+        </p:spPr>
+        <p:style>
+          <a:lnRef idx="1">
+            <a:schemeClr val="accent1"/>
+          </a:lnRef>
+          <a:fillRef idx="0">
+            <a:schemeClr val="accent1"/>
+          </a:fillRef>
+          <a:effectRef idx="0">
+            <a:schemeClr val="accent1"/>
+          </a:effectRef>
+          <a:fontRef idx="minor">
+            <a:schemeClr val="tx1"/>
+          </a:fontRef>
+        </p:style>
+      </p:cxnSp>
+      <p:cxnSp>
+        <p:nvCxnSpPr>
+          <p:cNvPr id="53" name="直線矢印コネクタ 52"/>
+          <p:cNvCxnSpPr/>
           <p:nvPr/>
-        </p:nvSpPr>
-        <p:spPr>
-          <a:xfrm>
-            <a:off x="4488592" y="3262386"/>
-            <a:ext cx="1699328" cy="541326"/>
-          </a:xfrm>
-          <a:prstGeom prst="flowChartDecision">
+        </p:nvCxnSpPr>
+        <p:spPr>
+          <a:xfrm flipV="1">
+            <a:off x="9486900" y="2694430"/>
+            <a:ext cx="0" cy="3293499"/>
+          </a:xfrm>
+          <a:prstGeom prst="straightConnector1">
             <a:avLst/>
           </a:prstGeom>
+          <a:ln>
+            <a:solidFill>
+              <a:schemeClr val="tx1"/>
+            </a:solidFill>
+            <a:headEnd type="none"/>
+            <a:tailEnd type="triangle"/>
+          </a:ln>
         </p:spPr>
         <p:style>
-          <a:lnRef idx="2">
-            <a:schemeClr val="accent1">
-              <a:shade val="50000"/>
-            </a:schemeClr>
+          <a:lnRef idx="1">
+            <a:schemeClr val="accent1"/>
           </a:lnRef>
-          <a:fillRef idx="1">
+          <a:fillRef idx="0">
             <a:schemeClr val="accent1"/>
           </a:fillRef>
           <a:effectRef idx="0">
             <a:schemeClr val="accent1"/>
           </a:effectRef>
           <a:fontRef idx="minor">
-            <a:schemeClr val="lt1"/>
+            <a:schemeClr val="tx1"/>
           </a:fontRef>
         </p:style>
-        <p:txBody>
-          <a:bodyPr rtlCol="0" anchor="ctr"/>
-          <a:lstStyle/>
-          <a:p>
-            <a:pPr algn="ctr"/>
-            <a:r>
-              <a:rPr kumimoji="1" lang="en-US" altLang="ja-JP" sz="1100" dirty="0" smtClean="0"/>
-              <a:t>UDP</a:t>
-            </a:r>
-            <a:r>
-              <a:rPr kumimoji="1" lang="ja-JP" altLang="en-US" sz="1100" dirty="0" smtClean="0"/>
-              <a:t>通知？</a:t>
-            </a:r>
-            <a:endParaRPr kumimoji="1" lang="ja-JP" altLang="en-US" sz="1100" dirty="0"/>
-          </a:p>
-        </p:txBody>
-      </p:sp>
-      <p:sp>
-        <p:nvSpPr>
-          <p:cNvPr id="68" name="フローチャート: 定義済み処理 67"/>
-          <p:cNvSpPr/>
-          <p:nvPr/>
-        </p:nvSpPr>
-        <p:spPr>
-          <a:xfrm>
-            <a:off x="9279644" y="2378107"/>
-            <a:ext cx="1419225" cy="342522"/>
-          </a:xfrm>
-          <a:prstGeom prst="flowChartPredefinedProcess">
-            <a:avLst/>
-          </a:prstGeom>
-          <a:noFill/>
-        </p:spPr>
-        <p:style>
-          <a:lnRef idx="2">
-            <a:schemeClr val="accent1">
-              <a:shade val="50000"/>
-            </a:schemeClr>
-          </a:lnRef>
-          <a:fillRef idx="1">
-            <a:schemeClr val="accent1"/>
-          </a:fillRef>
-          <a:effectRef idx="0">
-            <a:schemeClr val="accent1"/>
-          </a:effectRef>
-          <a:fontRef idx="minor">
-            <a:schemeClr val="lt1"/>
-          </a:fontRef>
-        </p:style>
-        <p:txBody>
-          <a:bodyPr rtlCol="0" anchor="ctr"/>
-          <a:lstStyle/>
-          <a:p>
-            <a:pPr algn="ctr"/>
-            <a:r>
-              <a:rPr kumimoji="1" lang="ja-JP" altLang="en-US" sz="1200" dirty="0" smtClean="0">
-                <a:solidFill>
-                  <a:schemeClr val="tx1"/>
-                </a:solidFill>
-              </a:rPr>
-              <a:t>接続通知</a:t>
-            </a:r>
-            <a:endParaRPr kumimoji="1" lang="ja-JP" altLang="en-US" sz="1200" dirty="0">
-              <a:solidFill>
-                <a:schemeClr val="tx1"/>
-              </a:solidFill>
-            </a:endParaRPr>
-          </a:p>
-        </p:txBody>
-      </p:sp>
-      <p:sp>
-        <p:nvSpPr>
-          <p:cNvPr id="69" name="フローチャート: 定義済み処理 68"/>
-          <p:cNvSpPr/>
-          <p:nvPr/>
-        </p:nvSpPr>
-        <p:spPr>
-          <a:xfrm>
-            <a:off x="4629824" y="4346169"/>
-            <a:ext cx="1419225" cy="342522"/>
-          </a:xfrm>
-          <a:prstGeom prst="flowChartPredefinedProcess">
-            <a:avLst/>
-          </a:prstGeom>
-          <a:noFill/>
-        </p:spPr>
-        <p:style>
-          <a:lnRef idx="2">
-            <a:schemeClr val="accent1">
-              <a:shade val="50000"/>
-            </a:schemeClr>
-          </a:lnRef>
-          <a:fillRef idx="1">
-            <a:schemeClr val="accent1"/>
-          </a:fillRef>
-          <a:effectRef idx="0">
-            <a:schemeClr val="accent1"/>
-          </a:effectRef>
-          <a:fontRef idx="minor">
-            <a:schemeClr val="lt1"/>
-          </a:fontRef>
-        </p:style>
-        <p:txBody>
-          <a:bodyPr rtlCol="0" anchor="ctr"/>
-          <a:lstStyle/>
-          <a:p>
-            <a:pPr algn="ctr"/>
-            <a:r>
-              <a:rPr kumimoji="1" lang="ja-JP" altLang="en-US" sz="1200" dirty="0" smtClean="0">
-                <a:solidFill>
-                  <a:schemeClr val="tx1"/>
-                </a:solidFill>
-              </a:rPr>
-              <a:t>個人認証</a:t>
-            </a:r>
-            <a:endParaRPr kumimoji="1" lang="ja-JP" altLang="en-US" sz="1200" dirty="0">
-              <a:solidFill>
-                <a:schemeClr val="tx1"/>
-              </a:solidFill>
-            </a:endParaRPr>
-          </a:p>
-        </p:txBody>
-      </p:sp>
-      <p:sp>
-        <p:nvSpPr>
-          <p:cNvPr id="71" name="フローチャート: 定義済み処理 70"/>
-          <p:cNvSpPr/>
-          <p:nvPr/>
-        </p:nvSpPr>
-        <p:spPr>
-          <a:xfrm>
-            <a:off x="4628644" y="5580826"/>
-            <a:ext cx="1419225" cy="342522"/>
-          </a:xfrm>
-          <a:prstGeom prst="flowChartPredefinedProcess">
-            <a:avLst/>
-          </a:prstGeom>
-          <a:noFill/>
-        </p:spPr>
-        <p:style>
-          <a:lnRef idx="2">
-            <a:schemeClr val="accent1">
-              <a:shade val="50000"/>
-            </a:schemeClr>
-          </a:lnRef>
-          <a:fillRef idx="1">
-            <a:schemeClr val="accent1"/>
-          </a:fillRef>
-          <a:effectRef idx="0">
-            <a:schemeClr val="accent1"/>
-          </a:effectRef>
-          <a:fontRef idx="minor">
-            <a:schemeClr val="lt1"/>
-          </a:fontRef>
-        </p:style>
-        <p:txBody>
-          <a:bodyPr rtlCol="0" anchor="ctr"/>
-          <a:lstStyle/>
-          <a:p>
-            <a:pPr algn="ctr"/>
-            <a:r>
-              <a:rPr kumimoji="1" lang="ja-JP" altLang="en-US" sz="1200" dirty="0" smtClean="0">
-                <a:solidFill>
-                  <a:schemeClr val="tx1"/>
-                </a:solidFill>
-              </a:rPr>
-              <a:t>接続切断</a:t>
-            </a:r>
-            <a:endParaRPr kumimoji="1" lang="ja-JP" altLang="en-US" sz="1200" dirty="0">
-              <a:solidFill>
-                <a:schemeClr val="tx1"/>
-              </a:solidFill>
-            </a:endParaRPr>
-          </a:p>
-        </p:txBody>
-      </p:sp>
+      </p:cxnSp>
       <p:cxnSp>
         <p:nvCxnSpPr>
-          <p:cNvPr id="76" name="直線矢印コネクタ 75"/>
-          <p:cNvCxnSpPr>
-            <a:stCxn id="68" idx="3"/>
-          </p:cNvCxnSpPr>
+          <p:cNvPr id="55" name="直線矢印コネクタ 54"/>
+          <p:cNvCxnSpPr/>
           <p:nvPr/>
         </p:nvCxnSpPr>
         <p:spPr>
           <a:xfrm>
-            <a:off x="10698869" y="2549368"/>
-            <a:ext cx="616831" cy="0"/>
+            <a:off x="8593515" y="6013329"/>
+            <a:ext cx="855285" cy="0"/>
           </a:xfrm>
           <a:prstGeom prst="straightConnector1">
             <a:avLst/>
@@ -4135,18 +4159,87 @@
           </a:fontRef>
         </p:style>
       </p:cxnSp>
+      <p:sp>
+        <p:nvSpPr>
+          <p:cNvPr id="16" name="テキスト ボックス 15"/>
+          <p:cNvSpPr txBox="1"/>
+          <p:nvPr/>
+        </p:nvSpPr>
+        <p:spPr>
+          <a:xfrm>
+            <a:off x="714375" y="291313"/>
+            <a:ext cx="1252266" cy="646331"/>
+          </a:xfrm>
+          <a:prstGeom prst="rect">
+            <a:avLst/>
+          </a:prstGeom>
+          <a:noFill/>
+        </p:spPr>
+        <p:txBody>
+          <a:bodyPr wrap="none" rtlCol="0">
+            <a:spAutoFit/>
+          </a:bodyPr>
+          <a:lstStyle/>
+          <a:p>
+            <a:r>
+              <a:rPr kumimoji="1" lang="en-US" altLang="ja-JP" dirty="0" smtClean="0"/>
+              <a:t>TCP</a:t>
+            </a:r>
+            <a:r>
+              <a:rPr kumimoji="1" lang="ja-JP" altLang="en-US" dirty="0" smtClean="0"/>
+              <a:t>通信</a:t>
+            </a:r>
+            <a:endParaRPr kumimoji="1" lang="en-US" altLang="ja-JP" dirty="0" smtClean="0"/>
+          </a:p>
+          <a:p>
+            <a:r>
+              <a:rPr kumimoji="1" lang="ja-JP" altLang="en-US" dirty="0" smtClean="0"/>
+              <a:t>処理フロー</a:t>
+            </a:r>
+            <a:endParaRPr kumimoji="1" lang="ja-JP" altLang="en-US" dirty="0"/>
+          </a:p>
+        </p:txBody>
+      </p:sp>
+    </p:spTree>
+    <p:extLst>
+      <p:ext uri="{BB962C8B-B14F-4D97-AF65-F5344CB8AC3E}">
+        <p14:creationId xmlns:p14="http://schemas.microsoft.com/office/powerpoint/2010/main" val="1314175591"/>
+      </p:ext>
+    </p:extLst>
+  </p:cSld>
+  <p:clrMapOvr>
+    <a:masterClrMapping/>
+  </p:clrMapOvr>
+</p:sld>
+</file>
+
+<file path=ppt/slides/slide2.xml><?xml version="1.0" encoding="utf-8"?>
+<p:sld xmlns:a="http://schemas.openxmlformats.org/drawingml/2006/main" xmlns:r="http://schemas.openxmlformats.org/officeDocument/2006/relationships" xmlns:p="http://schemas.openxmlformats.org/presentationml/2006/main">
+  <p:cSld>
+    <p:spTree>
+      <p:nvGrpSpPr>
+        <p:cNvPr id="1" name=""/>
+        <p:cNvGrpSpPr/>
+        <p:nvPr/>
+      </p:nvGrpSpPr>
+      <p:grpSpPr>
+        <a:xfrm>
+          <a:off x="0" y="0"/>
+          <a:ext cx="0" cy="0"/>
+          <a:chOff x="0" y="0"/>
+          <a:chExt cx="0" cy="0"/>
+        </a:xfrm>
+      </p:grpSpPr>
       <p:cxnSp>
         <p:nvCxnSpPr>
-          <p:cNvPr id="79" name="直線矢印コネクタ 78"/>
-          <p:cNvCxnSpPr>
-            <a:endCxn id="69" idx="3"/>
-          </p:cNvCxnSpPr>
+          <p:cNvPr id="39" name="直線矢印コネクタ 38"/>
+          <p:cNvCxnSpPr/>
           <p:nvPr/>
         </p:nvCxnSpPr>
         <p:spPr>
-          <a:xfrm flipH="1">
-            <a:off x="6049049" y="4517430"/>
-            <a:ext cx="5266651" cy="0"/>
+          <a:xfrm>
+            <a:off x="5917975" y="1247437"/>
+            <a:ext cx="0" cy="4644000"/>
           </a:xfrm>
           <a:prstGeom prst="straightConnector1">
             <a:avLst/>
@@ -4173,16 +4266,358 @@
           </a:fontRef>
         </p:style>
       </p:cxnSp>
+      <p:sp>
+        <p:nvSpPr>
+          <p:cNvPr id="6" name="フローチャート: 代替処理 5"/>
+          <p:cNvSpPr/>
+          <p:nvPr/>
+        </p:nvSpPr>
+        <p:spPr>
+          <a:xfrm>
+            <a:off x="5205876" y="891388"/>
+            <a:ext cx="1424198" cy="356049"/>
+          </a:xfrm>
+          <a:prstGeom prst="flowChartAlternateProcess">
+            <a:avLst/>
+          </a:prstGeom>
+        </p:spPr>
+        <p:style>
+          <a:lnRef idx="2">
+            <a:schemeClr val="accent1">
+              <a:shade val="50000"/>
+            </a:schemeClr>
+          </a:lnRef>
+          <a:fillRef idx="1">
+            <a:schemeClr val="accent1"/>
+          </a:fillRef>
+          <a:effectRef idx="0">
+            <a:schemeClr val="accent1"/>
+          </a:effectRef>
+          <a:fontRef idx="minor">
+            <a:schemeClr val="lt1"/>
+          </a:fontRef>
+        </p:style>
+        <p:txBody>
+          <a:bodyPr rtlCol="0" anchor="ctr"/>
+          <a:lstStyle/>
+          <a:p>
+            <a:pPr algn="ctr"/>
+            <a:r>
+              <a:rPr kumimoji="1" lang="en-US" altLang="ja-JP" dirty="0" smtClean="0"/>
+              <a:t>START</a:t>
+            </a:r>
+            <a:endParaRPr kumimoji="1" lang="ja-JP" altLang="en-US" dirty="0"/>
+          </a:p>
+        </p:txBody>
+      </p:sp>
+      <p:sp>
+        <p:nvSpPr>
+          <p:cNvPr id="40" name="フローチャート: 判断 39"/>
+          <p:cNvSpPr/>
+          <p:nvPr/>
+        </p:nvSpPr>
+        <p:spPr>
+          <a:xfrm>
+            <a:off x="5068311" y="2600682"/>
+            <a:ext cx="1699328" cy="524211"/>
+          </a:xfrm>
+          <a:prstGeom prst="flowChartDecision">
+            <a:avLst/>
+          </a:prstGeom>
+        </p:spPr>
+        <p:style>
+          <a:lnRef idx="2">
+            <a:schemeClr val="accent1">
+              <a:shade val="50000"/>
+            </a:schemeClr>
+          </a:lnRef>
+          <a:fillRef idx="1">
+            <a:schemeClr val="accent1"/>
+          </a:fillRef>
+          <a:effectRef idx="0">
+            <a:schemeClr val="accent1"/>
+          </a:effectRef>
+          <a:fontRef idx="minor">
+            <a:schemeClr val="lt1"/>
+          </a:fontRef>
+        </p:style>
+        <p:txBody>
+          <a:bodyPr rtlCol="0" anchor="ctr"/>
+          <a:lstStyle/>
+          <a:p>
+            <a:pPr algn="ctr"/>
+            <a:r>
+              <a:rPr lang="ja-JP" altLang="en-US" sz="1200" dirty="0"/>
+              <a:t>受信</a:t>
+            </a:r>
+            <a:endParaRPr kumimoji="1" lang="ja-JP" altLang="en-US" sz="1200" dirty="0"/>
+          </a:p>
+        </p:txBody>
+      </p:sp>
+      <p:sp>
+        <p:nvSpPr>
+          <p:cNvPr id="70" name="フローチャート: 定義済み処理 69"/>
+          <p:cNvSpPr/>
+          <p:nvPr/>
+        </p:nvSpPr>
+        <p:spPr>
+          <a:xfrm>
+            <a:off x="5238244" y="1681249"/>
+            <a:ext cx="1419225" cy="342522"/>
+          </a:xfrm>
+          <a:prstGeom prst="flowChartPredefinedProcess">
+            <a:avLst/>
+          </a:prstGeom>
+          <a:solidFill>
+            <a:schemeClr val="accent1">
+              <a:lumMod val="40000"/>
+              <a:lumOff val="60000"/>
+            </a:schemeClr>
+          </a:solidFill>
+        </p:spPr>
+        <p:style>
+          <a:lnRef idx="2">
+            <a:schemeClr val="accent1">
+              <a:shade val="50000"/>
+            </a:schemeClr>
+          </a:lnRef>
+          <a:fillRef idx="1">
+            <a:schemeClr val="accent1"/>
+          </a:fillRef>
+          <a:effectRef idx="0">
+            <a:schemeClr val="accent1"/>
+          </a:effectRef>
+          <a:fontRef idx="minor">
+            <a:schemeClr val="lt1"/>
+          </a:fontRef>
+        </p:style>
+        <p:txBody>
+          <a:bodyPr rtlCol="0" anchor="ctr"/>
+          <a:lstStyle/>
+          <a:p>
+            <a:pPr algn="ctr"/>
+            <a:r>
+              <a:rPr kumimoji="1" lang="ja-JP" altLang="en-US" sz="1200" dirty="0" smtClean="0">
+                <a:solidFill>
+                  <a:schemeClr val="tx1"/>
+                </a:solidFill>
+              </a:rPr>
+              <a:t>接続確立</a:t>
+            </a:r>
+            <a:endParaRPr kumimoji="1" lang="ja-JP" altLang="en-US" sz="1200" dirty="0">
+              <a:solidFill>
+                <a:schemeClr val="tx1"/>
+              </a:solidFill>
+            </a:endParaRPr>
+          </a:p>
+        </p:txBody>
+      </p:sp>
+      <p:sp>
+        <p:nvSpPr>
+          <p:cNvPr id="35" name="フローチャート: 定義済み処理 34"/>
+          <p:cNvSpPr/>
+          <p:nvPr/>
+        </p:nvSpPr>
+        <p:spPr>
+          <a:xfrm>
+            <a:off x="5238243" y="4379416"/>
+            <a:ext cx="1419225" cy="342522"/>
+          </a:xfrm>
+          <a:prstGeom prst="flowChartPredefinedProcess">
+            <a:avLst/>
+          </a:prstGeom>
+          <a:solidFill>
+            <a:schemeClr val="accent4">
+              <a:lumMod val="40000"/>
+              <a:lumOff val="60000"/>
+            </a:schemeClr>
+          </a:solidFill>
+        </p:spPr>
+        <p:style>
+          <a:lnRef idx="2">
+            <a:schemeClr val="accent1">
+              <a:shade val="50000"/>
+            </a:schemeClr>
+          </a:lnRef>
+          <a:fillRef idx="1">
+            <a:schemeClr val="accent1"/>
+          </a:fillRef>
+          <a:effectRef idx="0">
+            <a:schemeClr val="accent1"/>
+          </a:effectRef>
+          <a:fontRef idx="minor">
+            <a:schemeClr val="lt1"/>
+          </a:fontRef>
+        </p:style>
+        <p:txBody>
+          <a:bodyPr rtlCol="0" anchor="ctr"/>
+          <a:lstStyle/>
+          <a:p>
+            <a:pPr algn="ctr"/>
+            <a:r>
+              <a:rPr lang="ja-JP" altLang="en-US" sz="1200" dirty="0" smtClean="0">
+                <a:solidFill>
+                  <a:schemeClr val="tx1"/>
+                </a:solidFill>
+              </a:rPr>
+              <a:t>プロセス</a:t>
+            </a:r>
+            <a:r>
+              <a:rPr lang="en-US" altLang="ja-JP" sz="1200" dirty="0" smtClean="0">
+                <a:solidFill>
+                  <a:schemeClr val="tx1"/>
+                </a:solidFill>
+              </a:rPr>
+              <a:t>KILL</a:t>
+            </a:r>
+            <a:endParaRPr kumimoji="1" lang="ja-JP" altLang="en-US" sz="1200" dirty="0">
+              <a:solidFill>
+                <a:schemeClr val="tx1"/>
+              </a:solidFill>
+            </a:endParaRPr>
+          </a:p>
+        </p:txBody>
+      </p:sp>
+      <p:sp>
+        <p:nvSpPr>
+          <p:cNvPr id="38" name="フローチャート: 定義済み処理 37"/>
+          <p:cNvSpPr/>
+          <p:nvPr/>
+        </p:nvSpPr>
+        <p:spPr>
+          <a:xfrm>
+            <a:off x="5238243" y="5077987"/>
+            <a:ext cx="1419225" cy="342522"/>
+          </a:xfrm>
+          <a:prstGeom prst="flowChartPredefinedProcess">
+            <a:avLst/>
+          </a:prstGeom>
+          <a:solidFill>
+            <a:schemeClr val="accent4">
+              <a:lumMod val="40000"/>
+              <a:lumOff val="60000"/>
+            </a:schemeClr>
+          </a:solidFill>
+        </p:spPr>
+        <p:style>
+          <a:lnRef idx="2">
+            <a:schemeClr val="accent1">
+              <a:shade val="50000"/>
+            </a:schemeClr>
+          </a:lnRef>
+          <a:fillRef idx="1">
+            <a:schemeClr val="accent1"/>
+          </a:fillRef>
+          <a:effectRef idx="0">
+            <a:schemeClr val="accent1"/>
+          </a:effectRef>
+          <a:fontRef idx="minor">
+            <a:schemeClr val="lt1"/>
+          </a:fontRef>
+        </p:style>
+        <p:txBody>
+          <a:bodyPr rtlCol="0" anchor="ctr"/>
+          <a:lstStyle/>
+          <a:p>
+            <a:pPr algn="ctr"/>
+            <a:r>
+              <a:rPr kumimoji="1" lang="ja-JP" altLang="en-US" sz="1200" dirty="0" smtClean="0">
+                <a:solidFill>
+                  <a:schemeClr val="tx1"/>
+                </a:solidFill>
+              </a:rPr>
+              <a:t>プロセス起動</a:t>
+            </a:r>
+            <a:endParaRPr kumimoji="1" lang="ja-JP" altLang="en-US" sz="1200" dirty="0">
+              <a:solidFill>
+                <a:schemeClr val="tx1"/>
+              </a:solidFill>
+            </a:endParaRPr>
+          </a:p>
+        </p:txBody>
+      </p:sp>
       <p:cxnSp>
         <p:nvCxnSpPr>
-          <p:cNvPr id="82" name="直線矢印コネクタ 81"/>
+          <p:cNvPr id="43" name="直線矢印コネクタ 42"/>
           <p:cNvCxnSpPr/>
           <p:nvPr/>
         </p:nvCxnSpPr>
         <p:spPr>
-          <a:xfrm flipV="1">
-            <a:off x="11315700" y="1604668"/>
-            <a:ext cx="0" cy="2912762"/>
+          <a:xfrm flipH="1">
+            <a:off x="6012810" y="2368455"/>
+            <a:ext cx="2044948" cy="0"/>
+          </a:xfrm>
+          <a:prstGeom prst="straightConnector1">
+            <a:avLst/>
+          </a:prstGeom>
+          <a:ln>
+            <a:solidFill>
+              <a:schemeClr val="tx1"/>
+            </a:solidFill>
+            <a:tailEnd type="triangle"/>
+          </a:ln>
+        </p:spPr>
+        <p:style>
+          <a:lnRef idx="1">
+            <a:schemeClr val="accent1"/>
+          </a:lnRef>
+          <a:fillRef idx="0">
+            <a:schemeClr val="accent1"/>
+          </a:fillRef>
+          <a:effectRef idx="0">
+            <a:schemeClr val="accent1"/>
+          </a:effectRef>
+          <a:fontRef idx="minor">
+            <a:schemeClr val="tx1"/>
+          </a:fontRef>
+        </p:style>
+      </p:cxnSp>
+      <p:cxnSp>
+        <p:nvCxnSpPr>
+          <p:cNvPr id="44" name="直線矢印コネクタ 43"/>
+          <p:cNvCxnSpPr/>
+          <p:nvPr/>
+        </p:nvCxnSpPr>
+        <p:spPr>
+          <a:xfrm>
+            <a:off x="5973297" y="5867849"/>
+            <a:ext cx="2027507" cy="0"/>
+          </a:xfrm>
+          <a:prstGeom prst="straightConnector1">
+            <a:avLst/>
+          </a:prstGeom>
+          <a:ln>
+            <a:solidFill>
+              <a:schemeClr val="tx1"/>
+            </a:solidFill>
+            <a:tailEnd type="triangle"/>
+          </a:ln>
+        </p:spPr>
+        <p:style>
+          <a:lnRef idx="1">
+            <a:schemeClr val="accent1"/>
+          </a:lnRef>
+          <a:fillRef idx="0">
+            <a:schemeClr val="accent1"/>
+          </a:fillRef>
+          <a:effectRef idx="0">
+            <a:schemeClr val="accent1"/>
+          </a:effectRef>
+          <a:fontRef idx="minor">
+            <a:schemeClr val="tx1"/>
+          </a:fontRef>
+        </p:style>
+      </p:cxnSp>
+      <p:cxnSp>
+        <p:nvCxnSpPr>
+          <p:cNvPr id="45" name="直線矢印コネクタ 44"/>
+          <p:cNvCxnSpPr/>
+          <p:nvPr/>
+        </p:nvCxnSpPr>
+        <p:spPr>
+          <a:xfrm>
+            <a:off x="4348311" y="2862787"/>
+            <a:ext cx="646725" cy="0"/>
           </a:xfrm>
           <a:prstGeom prst="straightConnector1">
             <a:avLst/>
@@ -4209,163 +4644,16 @@
           </a:fontRef>
         </p:style>
       </p:cxnSp>
-      <p:sp>
-        <p:nvSpPr>
-          <p:cNvPr id="70" name="フローチャート: 定義済み処理 69"/>
-          <p:cNvSpPr/>
-          <p:nvPr/>
-        </p:nvSpPr>
-        <p:spPr>
-          <a:xfrm>
-            <a:off x="4628644" y="801774"/>
-            <a:ext cx="1419225" cy="342522"/>
-          </a:xfrm>
-          <a:prstGeom prst="flowChartPredefinedProcess">
-            <a:avLst/>
-          </a:prstGeom>
-          <a:solidFill>
-            <a:schemeClr val="bg1"/>
-          </a:solidFill>
-        </p:spPr>
-        <p:style>
-          <a:lnRef idx="2">
-            <a:schemeClr val="accent1">
-              <a:shade val="50000"/>
-            </a:schemeClr>
-          </a:lnRef>
-          <a:fillRef idx="1">
-            <a:schemeClr val="accent1"/>
-          </a:fillRef>
-          <a:effectRef idx="0">
-            <a:schemeClr val="accent1"/>
-          </a:effectRef>
-          <a:fontRef idx="minor">
-            <a:schemeClr val="lt1"/>
-          </a:fontRef>
-        </p:style>
-        <p:txBody>
-          <a:bodyPr rtlCol="0" anchor="ctr"/>
-          <a:lstStyle/>
-          <a:p>
-            <a:pPr algn="ctr"/>
-            <a:r>
-              <a:rPr kumimoji="1" lang="ja-JP" altLang="en-US" sz="1200" dirty="0" smtClean="0">
-                <a:solidFill>
-                  <a:schemeClr val="tx1"/>
-                </a:solidFill>
-              </a:rPr>
-              <a:t>接続確立</a:t>
-            </a:r>
-            <a:endParaRPr kumimoji="1" lang="ja-JP" altLang="en-US" sz="1200" dirty="0">
-              <a:solidFill>
-                <a:schemeClr val="tx1"/>
-              </a:solidFill>
-            </a:endParaRPr>
-          </a:p>
-        </p:txBody>
-      </p:sp>
-      <p:sp>
-        <p:nvSpPr>
-          <p:cNvPr id="98" name="テキスト ボックス 97"/>
-          <p:cNvSpPr txBox="1"/>
-          <p:nvPr/>
-        </p:nvSpPr>
-        <p:spPr>
-          <a:xfrm>
-            <a:off x="4903969" y="2861708"/>
-            <a:ext cx="404406" cy="276999"/>
-          </a:xfrm>
-          <a:prstGeom prst="rect">
-            <a:avLst/>
-          </a:prstGeom>
-          <a:noFill/>
-        </p:spPr>
-        <p:txBody>
-          <a:bodyPr wrap="none" rtlCol="0">
-            <a:spAutoFit/>
-          </a:bodyPr>
-          <a:lstStyle/>
-          <a:p>
-            <a:r>
-              <a:rPr kumimoji="1" lang="en-US" altLang="ja-JP" sz="1200" dirty="0" smtClean="0"/>
-              <a:t>YES</a:t>
-            </a:r>
-            <a:endParaRPr kumimoji="1" lang="ja-JP" altLang="en-US" sz="1200" dirty="0"/>
-          </a:p>
-        </p:txBody>
-      </p:sp>
-      <p:sp>
-        <p:nvSpPr>
-          <p:cNvPr id="99" name="テキスト ボックス 98"/>
-          <p:cNvSpPr txBox="1"/>
-          <p:nvPr/>
-        </p:nvSpPr>
-        <p:spPr>
-          <a:xfrm>
-            <a:off x="3913514" y="3252883"/>
-            <a:ext cx="404406" cy="276999"/>
-          </a:xfrm>
-          <a:prstGeom prst="rect">
-            <a:avLst/>
-          </a:prstGeom>
-          <a:noFill/>
-        </p:spPr>
-        <p:txBody>
-          <a:bodyPr wrap="none" rtlCol="0">
-            <a:spAutoFit/>
-          </a:bodyPr>
-          <a:lstStyle/>
-          <a:p>
-            <a:r>
-              <a:rPr kumimoji="1" lang="en-US" altLang="ja-JP" sz="1200" dirty="0" smtClean="0"/>
-              <a:t>YES</a:t>
-            </a:r>
-            <a:endParaRPr kumimoji="1" lang="ja-JP" altLang="en-US" sz="1200" dirty="0"/>
-          </a:p>
-        </p:txBody>
-      </p:sp>
-      <p:sp>
-        <p:nvSpPr>
-          <p:cNvPr id="100" name="テキスト ボックス 99"/>
-          <p:cNvSpPr txBox="1"/>
-          <p:nvPr/>
-        </p:nvSpPr>
-        <p:spPr>
-          <a:xfrm>
-            <a:off x="4903969" y="3927391"/>
-            <a:ext cx="386644" cy="276999"/>
-          </a:xfrm>
-          <a:prstGeom prst="rect">
-            <a:avLst/>
-          </a:prstGeom>
-          <a:noFill/>
-        </p:spPr>
-        <p:txBody>
-          <a:bodyPr wrap="none" rtlCol="0">
-            <a:spAutoFit/>
-          </a:bodyPr>
-          <a:lstStyle/>
-          <a:p>
-            <a:r>
-              <a:rPr kumimoji="1" lang="en-US" altLang="ja-JP" sz="1200" dirty="0" smtClean="0"/>
-              <a:t>NO</a:t>
-            </a:r>
-            <a:endParaRPr kumimoji="1" lang="ja-JP" altLang="en-US" sz="1200" dirty="0"/>
-          </a:p>
-        </p:txBody>
-      </p:sp>
       <p:cxnSp>
         <p:nvCxnSpPr>
-          <p:cNvPr id="101" name="直線矢印コネクタ 100"/>
-          <p:cNvCxnSpPr>
-            <a:endCxn id="59" idx="1"/>
-          </p:cNvCxnSpPr>
+          <p:cNvPr id="46" name="直線矢印コネクタ 45"/>
+          <p:cNvCxnSpPr/>
           <p:nvPr/>
         </p:nvCxnSpPr>
         <p:spPr>
           <a:xfrm>
-            <a:off x="3711514" y="3533049"/>
-            <a:ext cx="777078" cy="0"/>
+            <a:off x="4327159" y="2358930"/>
+            <a:ext cx="0" cy="504000"/>
           </a:xfrm>
           <a:prstGeom prst="straightConnector1">
             <a:avLst/>
@@ -4394,14 +4682,213 @@
       </p:cxnSp>
       <p:cxnSp>
         <p:nvCxnSpPr>
-          <p:cNvPr id="104" name="直線矢印コネクタ 103"/>
+          <p:cNvPr id="48" name="直線矢印コネクタ 47"/>
           <p:cNvCxnSpPr/>
           <p:nvPr/>
         </p:nvCxnSpPr>
         <p:spPr>
           <a:xfrm>
-            <a:off x="3711514" y="973035"/>
-            <a:ext cx="0" cy="2560014"/>
+            <a:off x="4348311" y="2358930"/>
+            <a:ext cx="1480989" cy="0"/>
+          </a:xfrm>
+          <a:prstGeom prst="straightConnector1">
+            <a:avLst/>
+          </a:prstGeom>
+          <a:ln>
+            <a:solidFill>
+              <a:schemeClr val="tx1"/>
+            </a:solidFill>
+            <a:tailEnd type="triangle"/>
+          </a:ln>
+        </p:spPr>
+        <p:style>
+          <a:lnRef idx="1">
+            <a:schemeClr val="accent1"/>
+          </a:lnRef>
+          <a:fillRef idx="0">
+            <a:schemeClr val="accent1"/>
+          </a:fillRef>
+          <a:effectRef idx="0">
+            <a:schemeClr val="accent1"/>
+          </a:effectRef>
+          <a:fontRef idx="minor">
+            <a:schemeClr val="tx1"/>
+          </a:fontRef>
+        </p:style>
+      </p:cxnSp>
+      <p:cxnSp>
+        <p:nvCxnSpPr>
+          <p:cNvPr id="52" name="直線矢印コネクタ 51"/>
+          <p:cNvCxnSpPr/>
+          <p:nvPr/>
+        </p:nvCxnSpPr>
+        <p:spPr>
+          <a:xfrm flipV="1">
+            <a:off x="4361848" y="2957255"/>
+            <a:ext cx="0" cy="675600"/>
+          </a:xfrm>
+          <a:prstGeom prst="straightConnector1">
+            <a:avLst/>
+          </a:prstGeom>
+          <a:ln>
+            <a:solidFill>
+              <a:schemeClr val="tx1"/>
+            </a:solidFill>
+            <a:headEnd type="none"/>
+            <a:tailEnd type="triangle"/>
+          </a:ln>
+        </p:spPr>
+        <p:style>
+          <a:lnRef idx="1">
+            <a:schemeClr val="accent1"/>
+          </a:lnRef>
+          <a:fillRef idx="0">
+            <a:schemeClr val="accent1"/>
+          </a:fillRef>
+          <a:effectRef idx="0">
+            <a:schemeClr val="accent1"/>
+          </a:effectRef>
+          <a:fontRef idx="minor">
+            <a:schemeClr val="tx1"/>
+          </a:fontRef>
+        </p:style>
+      </p:cxnSp>
+      <p:cxnSp>
+        <p:nvCxnSpPr>
+          <p:cNvPr id="53" name="直線矢印コネクタ 52"/>
+          <p:cNvCxnSpPr/>
+          <p:nvPr/>
+        </p:nvCxnSpPr>
+        <p:spPr>
+          <a:xfrm flipV="1">
+            <a:off x="8067283" y="2484880"/>
+            <a:ext cx="0" cy="3293499"/>
+          </a:xfrm>
+          <a:prstGeom prst="straightConnector1">
+            <a:avLst/>
+          </a:prstGeom>
+          <a:ln>
+            <a:solidFill>
+              <a:schemeClr val="tx1"/>
+            </a:solidFill>
+            <a:headEnd type="none"/>
+            <a:tailEnd type="triangle"/>
+          </a:ln>
+        </p:spPr>
+        <p:style>
+          <a:lnRef idx="1">
+            <a:schemeClr val="accent1"/>
+          </a:lnRef>
+          <a:fillRef idx="0">
+            <a:schemeClr val="accent1"/>
+          </a:fillRef>
+          <a:effectRef idx="0">
+            <a:schemeClr val="accent1"/>
+          </a:effectRef>
+          <a:fontRef idx="minor">
+            <a:schemeClr val="tx1"/>
+          </a:fontRef>
+        </p:style>
+      </p:cxnSp>
+      <p:sp>
+        <p:nvSpPr>
+          <p:cNvPr id="16" name="テキスト ボックス 15"/>
+          <p:cNvSpPr txBox="1"/>
+          <p:nvPr/>
+        </p:nvSpPr>
+        <p:spPr>
+          <a:xfrm>
+            <a:off x="714375" y="291313"/>
+            <a:ext cx="1516762" cy="646331"/>
+          </a:xfrm>
+          <a:prstGeom prst="rect">
+            <a:avLst/>
+          </a:prstGeom>
+          <a:noFill/>
+        </p:spPr>
+        <p:txBody>
+          <a:bodyPr wrap="none" rtlCol="0">
+            <a:spAutoFit/>
+          </a:bodyPr>
+          <a:lstStyle/>
+          <a:p>
+            <a:r>
+              <a:rPr kumimoji="1" lang="en-US" altLang="ja-JP" dirty="0" err="1" smtClean="0"/>
+              <a:t>UDP</a:t>
+            </a:r>
+            <a:r>
+              <a:rPr kumimoji="1" lang="ja-JP" altLang="en-US" dirty="0" smtClean="0"/>
+              <a:t>通知監視</a:t>
+            </a:r>
+            <a:endParaRPr kumimoji="1" lang="en-US" altLang="ja-JP" dirty="0" smtClean="0"/>
+          </a:p>
+          <a:p>
+            <a:r>
+              <a:rPr kumimoji="1" lang="ja-JP" altLang="en-US" dirty="0" smtClean="0"/>
+              <a:t>処理フロー</a:t>
+            </a:r>
+            <a:endParaRPr kumimoji="1" lang="ja-JP" altLang="en-US" dirty="0"/>
+          </a:p>
+        </p:txBody>
+      </p:sp>
+      <p:sp>
+        <p:nvSpPr>
+          <p:cNvPr id="24" name="フローチャート: 判断 23"/>
+          <p:cNvSpPr/>
+          <p:nvPr/>
+        </p:nvSpPr>
+        <p:spPr>
+          <a:xfrm>
+            <a:off x="5068311" y="3370750"/>
+            <a:ext cx="1699328" cy="524211"/>
+          </a:xfrm>
+          <a:prstGeom prst="flowChartDecision">
+            <a:avLst/>
+          </a:prstGeom>
+        </p:spPr>
+        <p:style>
+          <a:lnRef idx="2">
+            <a:schemeClr val="accent1">
+              <a:shade val="50000"/>
+            </a:schemeClr>
+          </a:lnRef>
+          <a:fillRef idx="1">
+            <a:schemeClr val="accent1"/>
+          </a:fillRef>
+          <a:effectRef idx="0">
+            <a:schemeClr val="accent1"/>
+          </a:effectRef>
+          <a:fontRef idx="minor">
+            <a:schemeClr val="lt1"/>
+          </a:fontRef>
+        </p:style>
+        <p:txBody>
+          <a:bodyPr rtlCol="0" anchor="ctr"/>
+          <a:lstStyle/>
+          <a:p>
+            <a:pPr algn="ctr"/>
+            <a:r>
+              <a:rPr lang="ja-JP" altLang="en-US" sz="1200" dirty="0"/>
+              <a:t>接続</a:t>
+            </a:r>
+            <a:r>
+              <a:rPr lang="ja-JP" altLang="en-US" sz="1200" dirty="0" smtClean="0"/>
+              <a:t>要求か？</a:t>
+            </a:r>
+            <a:endParaRPr kumimoji="1" lang="ja-JP" altLang="en-US" sz="1200" dirty="0"/>
+          </a:p>
+        </p:txBody>
+      </p:sp>
+      <p:cxnSp>
+        <p:nvCxnSpPr>
+          <p:cNvPr id="31" name="直線矢印コネクタ 30"/>
+          <p:cNvCxnSpPr/>
+          <p:nvPr/>
+        </p:nvCxnSpPr>
+        <p:spPr>
+          <a:xfrm>
+            <a:off x="4361848" y="3632855"/>
+            <a:ext cx="646725" cy="0"/>
           </a:xfrm>
           <a:prstGeom prst="straightConnector1">
             <a:avLst/>
@@ -4428,48 +4915,726 @@
           </a:fontRef>
         </p:style>
       </p:cxnSp>
-      <p:cxnSp>
-        <p:nvCxnSpPr>
-          <p:cNvPr id="106" name="直線矢印コネクタ 105"/>
-          <p:cNvCxnSpPr>
-            <a:endCxn id="70" idx="1"/>
-          </p:cNvCxnSpPr>
-          <p:nvPr/>
-        </p:nvCxnSpPr>
-        <p:spPr>
-          <a:xfrm>
-            <a:off x="3704859" y="968280"/>
-            <a:ext cx="923785" cy="0"/>
-          </a:xfrm>
-          <a:prstGeom prst="straightConnector1">
-            <a:avLst/>
-          </a:prstGeom>
-          <a:ln>
-            <a:solidFill>
-              <a:schemeClr val="tx1"/>
-            </a:solidFill>
-            <a:tailEnd type="triangle"/>
-          </a:ln>
-        </p:spPr>
-        <p:style>
-          <a:lnRef idx="1">
-            <a:schemeClr val="accent1"/>
-          </a:lnRef>
-          <a:fillRef idx="0">
-            <a:schemeClr val="accent1"/>
-          </a:fillRef>
-          <a:effectRef idx="0">
-            <a:schemeClr val="accent1"/>
-          </a:effectRef>
-          <a:fontRef idx="minor">
-            <a:schemeClr val="tx1"/>
-          </a:fontRef>
-        </p:style>
-      </p:cxnSp>
     </p:spTree>
     <p:extLst>
       <p:ext uri="{BB962C8B-B14F-4D97-AF65-F5344CB8AC3E}">
-        <p14:creationId xmlns:p14="http://schemas.microsoft.com/office/powerpoint/2010/main" val="1314175591"/>
+        <p14:creationId xmlns:p14="http://schemas.microsoft.com/office/powerpoint/2010/main" val="2601584741"/>
+      </p:ext>
+    </p:extLst>
+  </p:cSld>
+  <p:clrMapOvr>
+    <a:masterClrMapping/>
+  </p:clrMapOvr>
+</p:sld>
+</file>
+
+<file path=ppt/slides/slide3.xml><?xml version="1.0" encoding="utf-8"?>
+<p:sld xmlns:a="http://schemas.openxmlformats.org/drawingml/2006/main" xmlns:r="http://schemas.openxmlformats.org/officeDocument/2006/relationships" xmlns:p="http://schemas.openxmlformats.org/presentationml/2006/main">
+  <p:cSld>
+    <p:spTree>
+      <p:nvGrpSpPr>
+        <p:cNvPr id="1" name=""/>
+        <p:cNvGrpSpPr/>
+        <p:nvPr/>
+      </p:nvGrpSpPr>
+      <p:grpSpPr>
+        <a:xfrm>
+          <a:off x="0" y="0"/>
+          <a:ext cx="0" cy="0"/>
+          <a:chOff x="0" y="0"/>
+          <a:chExt cx="0" cy="0"/>
+        </a:xfrm>
+      </p:grpSpPr>
+      <p:sp>
+        <p:nvSpPr>
+          <p:cNvPr id="2" name="テキスト ボックス 1"/>
+          <p:cNvSpPr txBox="1"/>
+          <p:nvPr/>
+        </p:nvSpPr>
+        <p:spPr>
+          <a:xfrm>
+            <a:off x="933449" y="333375"/>
+            <a:ext cx="10439401" cy="6186309"/>
+          </a:xfrm>
+          <a:prstGeom prst="rect">
+            <a:avLst/>
+          </a:prstGeom>
+          <a:noFill/>
+        </p:spPr>
+        <p:txBody>
+          <a:bodyPr wrap="square" rtlCol="0">
+            <a:spAutoFit/>
+          </a:bodyPr>
+          <a:lstStyle/>
+          <a:p>
+            <a:r>
+              <a:rPr kumimoji="1" lang="ja-JP" altLang="en-US" dirty="0" smtClean="0"/>
+              <a:t>ファイル構成</a:t>
+            </a:r>
+            <a:endParaRPr kumimoji="1" lang="en-US" altLang="ja-JP" dirty="0" smtClean="0"/>
+          </a:p>
+          <a:p>
+            <a:endParaRPr lang="en-US" altLang="ja-JP" dirty="0" smtClean="0"/>
+          </a:p>
+          <a:p>
+            <a:r>
+              <a:rPr lang="en-US" altLang="ja-JP" dirty="0" smtClean="0"/>
+              <a:t>/</a:t>
+            </a:r>
+            <a:r>
+              <a:rPr lang="en-US" altLang="ja-JP" dirty="0" err="1" smtClean="0"/>
+              <a:t>usr</a:t>
+            </a:r>
+            <a:r>
+              <a:rPr lang="en-US" altLang="ja-JP" dirty="0" smtClean="0"/>
+              <a:t>/local/socket</a:t>
+            </a:r>
+          </a:p>
+          <a:p>
+            <a:r>
+              <a:rPr lang="en-US" altLang="ja-JP" dirty="0"/>
+              <a:t>	</a:t>
+            </a:r>
+            <a:r>
+              <a:rPr lang="en-US" altLang="ja-JP" dirty="0" smtClean="0"/>
+              <a:t>|</a:t>
+            </a:r>
+          </a:p>
+          <a:p>
+            <a:r>
+              <a:rPr lang="en-US" altLang="ja-JP" dirty="0"/>
+              <a:t>	</a:t>
+            </a:r>
+            <a:r>
+              <a:rPr lang="en-US" altLang="ja-JP" dirty="0" smtClean="0"/>
+              <a:t>| -----</a:t>
+            </a:r>
+            <a:r>
+              <a:rPr lang="ja-JP" altLang="en-US" dirty="0" smtClean="0"/>
+              <a:t>　　</a:t>
+            </a:r>
+            <a:r>
+              <a:rPr lang="en-US" altLang="ja-JP" dirty="0" err="1" smtClean="0"/>
+              <a:t>importdir</a:t>
+            </a:r>
+            <a:r>
+              <a:rPr lang="en-US" altLang="ja-JP" dirty="0" smtClean="0"/>
+              <a:t>	</a:t>
+            </a:r>
+          </a:p>
+          <a:p>
+            <a:r>
+              <a:rPr lang="en-US" altLang="ja-JP" dirty="0"/>
+              <a:t>	</a:t>
+            </a:r>
+            <a:r>
+              <a:rPr lang="en-US" altLang="ja-JP" dirty="0" smtClean="0"/>
+              <a:t>|	</a:t>
+            </a:r>
+            <a:r>
+              <a:rPr lang="ja-JP" altLang="en-US" dirty="0" smtClean="0"/>
+              <a:t>　　</a:t>
+            </a:r>
+            <a:r>
+              <a:rPr lang="en-US" altLang="ja-JP" dirty="0"/>
+              <a:t> </a:t>
+            </a:r>
+            <a:r>
+              <a:rPr lang="en-US" altLang="ja-JP" dirty="0" smtClean="0"/>
+              <a:t>|</a:t>
+            </a:r>
+          </a:p>
+          <a:p>
+            <a:r>
+              <a:rPr lang="en-US" altLang="ja-JP" dirty="0"/>
+              <a:t>	|	</a:t>
+            </a:r>
+            <a:r>
+              <a:rPr lang="ja-JP" altLang="en-US" dirty="0"/>
+              <a:t>　　</a:t>
+            </a:r>
+            <a:r>
+              <a:rPr lang="en-US" altLang="ja-JP" dirty="0"/>
+              <a:t> </a:t>
+            </a:r>
+            <a:r>
+              <a:rPr lang="en-US" altLang="ja-JP" dirty="0" smtClean="0"/>
+              <a:t>|</a:t>
+            </a:r>
+            <a:r>
+              <a:rPr lang="en-US" altLang="ja-JP" dirty="0"/>
+              <a:t> -----</a:t>
+            </a:r>
+            <a:r>
+              <a:rPr lang="ja-JP" altLang="en-US" dirty="0"/>
+              <a:t>　</a:t>
+            </a:r>
+            <a:r>
+              <a:rPr lang="en-US" altLang="ja-JP" dirty="0" err="1" smtClean="0"/>
+              <a:t>db.py</a:t>
+            </a:r>
+            <a:r>
+              <a:rPr lang="en-US" altLang="ja-JP" dirty="0" smtClean="0"/>
+              <a:t>			</a:t>
+            </a:r>
+            <a:r>
+              <a:rPr lang="ja-JP" altLang="en-US" dirty="0" smtClean="0"/>
+              <a:t>・・・　</a:t>
+            </a:r>
+            <a:r>
+              <a:rPr lang="en-US" altLang="ja-JP" dirty="0" smtClean="0"/>
+              <a:t>DB</a:t>
+            </a:r>
+            <a:r>
+              <a:rPr lang="ja-JP" altLang="en-US" dirty="0" smtClean="0"/>
+              <a:t>処理（検索、実行）</a:t>
+            </a:r>
+            <a:endParaRPr lang="en-US" altLang="ja-JP" dirty="0"/>
+          </a:p>
+          <a:p>
+            <a:r>
+              <a:rPr lang="en-US" altLang="ja-JP" dirty="0"/>
+              <a:t>	|	</a:t>
+            </a:r>
+            <a:r>
+              <a:rPr lang="ja-JP" altLang="en-US" dirty="0"/>
+              <a:t>　　</a:t>
+            </a:r>
+            <a:r>
+              <a:rPr lang="en-US" altLang="ja-JP" dirty="0"/>
+              <a:t> | -----</a:t>
+            </a:r>
+            <a:r>
+              <a:rPr lang="ja-JP" altLang="en-US" dirty="0"/>
+              <a:t>　</a:t>
+            </a:r>
+            <a:r>
+              <a:rPr lang="en-US" altLang="ja-JP" dirty="0" err="1" smtClean="0"/>
+              <a:t>disassemble.py</a:t>
+            </a:r>
+            <a:r>
+              <a:rPr lang="en-US" altLang="ja-JP" dirty="0" smtClean="0"/>
+              <a:t>		</a:t>
+            </a:r>
+            <a:r>
+              <a:rPr lang="ja-JP" altLang="en-US" dirty="0" smtClean="0"/>
+              <a:t>・・・　受信バイト列の分解</a:t>
+            </a:r>
+            <a:endParaRPr lang="en-US" altLang="ja-JP" dirty="0"/>
+          </a:p>
+          <a:p>
+            <a:r>
+              <a:rPr lang="en-US" altLang="ja-JP" dirty="0"/>
+              <a:t>	|</a:t>
+            </a:r>
+          </a:p>
+          <a:p>
+            <a:r>
+              <a:rPr lang="en-US" altLang="ja-JP" dirty="0"/>
+              <a:t>	</a:t>
+            </a:r>
+            <a:r>
+              <a:rPr lang="en-US" altLang="ja-JP" dirty="0" smtClean="0"/>
+              <a:t>|</a:t>
+            </a:r>
+            <a:r>
+              <a:rPr lang="en-US" altLang="ja-JP" dirty="0"/>
+              <a:t> -----</a:t>
+            </a:r>
+            <a:r>
+              <a:rPr lang="ja-JP" altLang="en-US" dirty="0"/>
+              <a:t>　　</a:t>
+            </a:r>
+            <a:r>
+              <a:rPr lang="en-US" altLang="ja-JP" dirty="0" err="1" smtClean="0"/>
+              <a:t>webrequest.py</a:t>
+            </a:r>
+            <a:r>
+              <a:rPr lang="en-US" altLang="ja-JP" dirty="0" smtClean="0"/>
+              <a:t>			</a:t>
+            </a:r>
+            <a:r>
+              <a:rPr lang="ja-JP" altLang="en-US" dirty="0" smtClean="0"/>
+              <a:t>・・・　</a:t>
+            </a:r>
+            <a:r>
+              <a:rPr lang="en-US" altLang="ja-JP" dirty="0" smtClean="0"/>
+              <a:t>Web</a:t>
+            </a:r>
+            <a:r>
+              <a:rPr lang="ja-JP" altLang="en-US" dirty="0" smtClean="0"/>
+              <a:t>サーバ起動・顔認証許可</a:t>
+            </a:r>
+            <a:r>
+              <a:rPr lang="en-US" altLang="ja-JP" dirty="0" smtClean="0"/>
+              <a:t>ID</a:t>
+            </a:r>
+            <a:r>
+              <a:rPr lang="ja-JP" altLang="en-US" dirty="0" smtClean="0"/>
+              <a:t>取得</a:t>
+            </a:r>
+            <a:endParaRPr lang="en-US" altLang="ja-JP" dirty="0"/>
+          </a:p>
+          <a:p>
+            <a:r>
+              <a:rPr lang="en-US" altLang="ja-JP" dirty="0"/>
+              <a:t>	|</a:t>
+            </a:r>
+          </a:p>
+          <a:p>
+            <a:r>
+              <a:rPr lang="en-US" altLang="ja-JP" dirty="0"/>
+              <a:t>	| -----</a:t>
+            </a:r>
+            <a:r>
+              <a:rPr lang="ja-JP" altLang="en-US" dirty="0"/>
+              <a:t>　　</a:t>
+            </a:r>
+            <a:r>
+              <a:rPr lang="en-US" altLang="ja-JP" dirty="0" err="1" smtClean="0"/>
+              <a:t>tcpsock8982.py</a:t>
+            </a:r>
+            <a:r>
+              <a:rPr lang="en-US" altLang="ja-JP" dirty="0" smtClean="0"/>
+              <a:t>			</a:t>
+            </a:r>
+            <a:r>
+              <a:rPr lang="ja-JP" altLang="en-US" dirty="0" smtClean="0"/>
+              <a:t>・・・　入退室サーバーとの</a:t>
+            </a:r>
+            <a:r>
+              <a:rPr lang="en-US" altLang="ja-JP" dirty="0" smtClean="0"/>
+              <a:t>TCP</a:t>
+            </a:r>
+            <a:r>
+              <a:rPr lang="ja-JP" altLang="en-US" dirty="0" smtClean="0"/>
+              <a:t>通信</a:t>
+            </a:r>
+            <a:endParaRPr lang="en-US" altLang="ja-JP" dirty="0"/>
+          </a:p>
+          <a:p>
+            <a:r>
+              <a:rPr lang="en-US" altLang="ja-JP" dirty="0"/>
+              <a:t>	| -----</a:t>
+            </a:r>
+            <a:r>
+              <a:rPr lang="ja-JP" altLang="en-US" dirty="0"/>
+              <a:t>　　</a:t>
+            </a:r>
+            <a:r>
+              <a:rPr lang="en-US" altLang="ja-JP" dirty="0" err="1" smtClean="0"/>
+              <a:t>tcpsock8983.py</a:t>
+            </a:r>
+            <a:endParaRPr lang="en-US" altLang="ja-JP" dirty="0"/>
+          </a:p>
+          <a:p>
+            <a:r>
+              <a:rPr lang="en-US" altLang="ja-JP" dirty="0"/>
+              <a:t>	|</a:t>
+            </a:r>
+          </a:p>
+          <a:p>
+            <a:r>
+              <a:rPr lang="en-US" altLang="ja-JP" dirty="0"/>
+              <a:t>	| -----</a:t>
+            </a:r>
+            <a:r>
+              <a:rPr lang="ja-JP" altLang="en-US" dirty="0"/>
+              <a:t>　　</a:t>
+            </a:r>
+            <a:r>
+              <a:rPr lang="en-US" altLang="ja-JP" dirty="0" err="1" smtClean="0"/>
+              <a:t>udprecv.py</a:t>
+            </a:r>
+            <a:r>
+              <a:rPr lang="en-US" altLang="ja-JP" dirty="0" smtClean="0"/>
+              <a:t>				</a:t>
+            </a:r>
+            <a:r>
+              <a:rPr lang="ja-JP" altLang="en-US" dirty="0" smtClean="0"/>
+              <a:t>・・・　</a:t>
+            </a:r>
+            <a:r>
+              <a:rPr lang="en-US" altLang="ja-JP" dirty="0" err="1" smtClean="0"/>
+              <a:t>UDP</a:t>
+            </a:r>
+            <a:r>
+              <a:rPr lang="ja-JP" altLang="en-US" dirty="0" smtClean="0"/>
+              <a:t>通知監視・リブート</a:t>
+            </a:r>
+            <a:endParaRPr lang="en-US" altLang="ja-JP" dirty="0" smtClean="0"/>
+          </a:p>
+          <a:p>
+            <a:r>
+              <a:rPr lang="en-US" altLang="ja-JP" dirty="0"/>
+              <a:t>	|</a:t>
+            </a:r>
+          </a:p>
+          <a:p>
+            <a:r>
+              <a:rPr lang="en-US" altLang="ja-JP" dirty="0"/>
+              <a:t>	| -----</a:t>
+            </a:r>
+            <a:r>
+              <a:rPr lang="ja-JP" altLang="en-US" dirty="0"/>
+              <a:t>　　</a:t>
+            </a:r>
+            <a:r>
+              <a:rPr lang="en-US" altLang="ja-JP" dirty="0" smtClean="0"/>
+              <a:t>logs</a:t>
+            </a:r>
+            <a:endParaRPr lang="en-US" altLang="ja-JP" dirty="0"/>
+          </a:p>
+          <a:p>
+            <a:r>
+              <a:rPr lang="en-US" altLang="ja-JP" dirty="0"/>
+              <a:t>	|	</a:t>
+            </a:r>
+            <a:r>
+              <a:rPr lang="ja-JP" altLang="en-US" dirty="0"/>
+              <a:t>　　</a:t>
+            </a:r>
+            <a:r>
+              <a:rPr lang="en-US" altLang="ja-JP" dirty="0"/>
+              <a:t> |</a:t>
+            </a:r>
+          </a:p>
+          <a:p>
+            <a:r>
+              <a:rPr lang="en-US" altLang="ja-JP" dirty="0"/>
+              <a:t>	|	</a:t>
+            </a:r>
+            <a:r>
+              <a:rPr lang="ja-JP" altLang="en-US" dirty="0"/>
+              <a:t>　　</a:t>
+            </a:r>
+            <a:r>
+              <a:rPr lang="en-US" altLang="ja-JP" dirty="0"/>
+              <a:t> | -----</a:t>
+            </a:r>
+            <a:r>
+              <a:rPr lang="ja-JP" altLang="en-US" dirty="0"/>
+              <a:t>　</a:t>
+            </a:r>
+            <a:r>
+              <a:rPr lang="en-US" altLang="ja-JP" dirty="0"/>
+              <a:t> </a:t>
+            </a:r>
+            <a:r>
+              <a:rPr lang="en-US" altLang="ja-JP" dirty="0" err="1" smtClean="0"/>
+              <a:t>udprecv.log</a:t>
+            </a:r>
+            <a:endParaRPr lang="en-US" altLang="ja-JP" dirty="0"/>
+          </a:p>
+          <a:p>
+            <a:r>
+              <a:rPr lang="en-US" altLang="ja-JP" dirty="0"/>
+              <a:t>	|	</a:t>
+            </a:r>
+            <a:r>
+              <a:rPr lang="ja-JP" altLang="en-US" dirty="0"/>
+              <a:t>　　</a:t>
+            </a:r>
+            <a:r>
+              <a:rPr lang="en-US" altLang="ja-JP" dirty="0"/>
+              <a:t> | -----</a:t>
+            </a:r>
+            <a:r>
+              <a:rPr lang="ja-JP" altLang="en-US" dirty="0"/>
+              <a:t>　</a:t>
+            </a:r>
+            <a:r>
+              <a:rPr lang="en-US" altLang="ja-JP" dirty="0"/>
+              <a:t> </a:t>
+            </a:r>
+            <a:r>
+              <a:rPr lang="en-US" altLang="ja-JP" dirty="0" err="1" smtClean="0"/>
+              <a:t>tcpsock8982.log</a:t>
+            </a:r>
+            <a:endParaRPr lang="en-US" altLang="ja-JP" dirty="0"/>
+          </a:p>
+          <a:p>
+            <a:r>
+              <a:rPr lang="en-US" altLang="ja-JP" dirty="0"/>
+              <a:t>	|	</a:t>
+            </a:r>
+            <a:r>
+              <a:rPr lang="ja-JP" altLang="en-US" dirty="0"/>
+              <a:t>　　</a:t>
+            </a:r>
+            <a:r>
+              <a:rPr lang="en-US" altLang="ja-JP" dirty="0"/>
+              <a:t> | -----</a:t>
+            </a:r>
+            <a:r>
+              <a:rPr lang="ja-JP" altLang="en-US" dirty="0"/>
+              <a:t>　</a:t>
+            </a:r>
+            <a:r>
+              <a:rPr lang="en-US" altLang="ja-JP" dirty="0"/>
+              <a:t> </a:t>
+            </a:r>
+            <a:r>
+              <a:rPr lang="en-US" altLang="ja-JP" dirty="0" err="1" smtClean="0"/>
+              <a:t>tcpsock8983.log</a:t>
+            </a:r>
+            <a:endParaRPr lang="en-US" altLang="ja-JP" dirty="0"/>
+          </a:p>
+          <a:p>
+            <a:endParaRPr kumimoji="1" lang="ja-JP" altLang="en-US" dirty="0"/>
+          </a:p>
+        </p:txBody>
+      </p:sp>
+    </p:spTree>
+    <p:extLst>
+      <p:ext uri="{BB962C8B-B14F-4D97-AF65-F5344CB8AC3E}">
+        <p14:creationId xmlns:p14="http://schemas.microsoft.com/office/powerpoint/2010/main" val="2398577503"/>
+      </p:ext>
+    </p:extLst>
+  </p:cSld>
+  <p:clrMapOvr>
+    <a:masterClrMapping/>
+  </p:clrMapOvr>
+</p:sld>
+</file>
+
+<file path=ppt/slides/slide4.xml><?xml version="1.0" encoding="utf-8"?>
+<p:sld xmlns:a="http://schemas.openxmlformats.org/drawingml/2006/main" xmlns:r="http://schemas.openxmlformats.org/officeDocument/2006/relationships" xmlns:p="http://schemas.openxmlformats.org/presentationml/2006/main">
+  <p:cSld>
+    <p:spTree>
+      <p:nvGrpSpPr>
+        <p:cNvPr id="1" name=""/>
+        <p:cNvGrpSpPr/>
+        <p:nvPr/>
+      </p:nvGrpSpPr>
+      <p:grpSpPr>
+        <a:xfrm>
+          <a:off x="0" y="0"/>
+          <a:ext cx="0" cy="0"/>
+          <a:chOff x="0" y="0"/>
+          <a:chExt cx="0" cy="0"/>
+        </a:xfrm>
+      </p:grpSpPr>
+      <p:sp>
+        <p:nvSpPr>
+          <p:cNvPr id="2" name="テキスト ボックス 1"/>
+          <p:cNvSpPr txBox="1"/>
+          <p:nvPr/>
+        </p:nvSpPr>
+        <p:spPr>
+          <a:xfrm>
+            <a:off x="933449" y="333375"/>
+            <a:ext cx="10439401" cy="3693319"/>
+          </a:xfrm>
+          <a:prstGeom prst="rect">
+            <a:avLst/>
+          </a:prstGeom>
+          <a:noFill/>
+        </p:spPr>
+        <p:txBody>
+          <a:bodyPr wrap="square" rtlCol="0">
+            <a:spAutoFit/>
+          </a:bodyPr>
+          <a:lstStyle/>
+          <a:p>
+            <a:r>
+              <a:rPr lang="ja-JP" altLang="en-US" dirty="0" smtClean="0"/>
+              <a:t>起動・停止手順</a:t>
+            </a:r>
+            <a:endParaRPr lang="en-US" altLang="ja-JP" dirty="0" smtClean="0"/>
+          </a:p>
+          <a:p>
+            <a:endParaRPr lang="en-US" altLang="ja-JP" dirty="0" smtClean="0"/>
+          </a:p>
+          <a:p>
+            <a:endParaRPr lang="en-US" altLang="ja-JP" dirty="0" smtClean="0"/>
+          </a:p>
+          <a:p>
+            <a:r>
+              <a:rPr lang="ja-JP" altLang="en-US" dirty="0" smtClean="0"/>
+              <a:t>■起動</a:t>
+            </a:r>
+            <a:endParaRPr lang="en-US" altLang="ja-JP" dirty="0" smtClean="0"/>
+          </a:p>
+          <a:p>
+            <a:r>
+              <a:rPr lang="en-US" altLang="ja-JP" dirty="0" smtClean="0"/>
+              <a:t>	</a:t>
+            </a:r>
+            <a:r>
+              <a:rPr lang="ja-JP" altLang="en-US" dirty="0" smtClean="0"/>
+              <a:t>１．</a:t>
+            </a:r>
+            <a:r>
+              <a:rPr lang="en-US" altLang="ja-JP" dirty="0" err="1" smtClean="0"/>
+              <a:t>ubuntu</a:t>
+            </a:r>
+            <a:r>
+              <a:rPr lang="ja-JP" altLang="en-US" dirty="0" smtClean="0"/>
+              <a:t>サーバーへ</a:t>
+            </a:r>
+            <a:r>
+              <a:rPr lang="en-US" altLang="ja-JP" dirty="0" err="1" smtClean="0"/>
+              <a:t>SSH</a:t>
+            </a:r>
+            <a:r>
+              <a:rPr lang="ja-JP" altLang="en-US" dirty="0" smtClean="0"/>
+              <a:t>接続</a:t>
+            </a:r>
+            <a:endParaRPr lang="en-US" altLang="ja-JP" dirty="0" smtClean="0"/>
+          </a:p>
+          <a:p>
+            <a:r>
+              <a:rPr lang="en-US" altLang="ja-JP" dirty="0" smtClean="0"/>
+              <a:t>	</a:t>
+            </a:r>
+            <a:r>
+              <a:rPr lang="ja-JP" altLang="en-US" dirty="0" smtClean="0"/>
+              <a:t>２．</a:t>
+            </a:r>
+            <a:r>
+              <a:rPr lang="en-US" altLang="ja-JP" dirty="0" smtClean="0"/>
+              <a:t>cd /</a:t>
+            </a:r>
+            <a:r>
+              <a:rPr lang="en-US" altLang="ja-JP" dirty="0" err="1" smtClean="0"/>
+              <a:t>usr</a:t>
+            </a:r>
+            <a:r>
+              <a:rPr lang="en-US" altLang="ja-JP" dirty="0" smtClean="0"/>
+              <a:t>/local/socket</a:t>
+            </a:r>
+          </a:p>
+          <a:p>
+            <a:r>
+              <a:rPr lang="en-US" altLang="ja-JP" dirty="0" smtClean="0"/>
+              <a:t>	</a:t>
+            </a:r>
+            <a:r>
+              <a:rPr lang="ja-JP" altLang="en-US" dirty="0" smtClean="0"/>
+              <a:t>３．</a:t>
+            </a:r>
+            <a:r>
+              <a:rPr lang="en-US" altLang="ja-JP" dirty="0" err="1" smtClean="0"/>
+              <a:t>nohup</a:t>
+            </a:r>
+            <a:r>
+              <a:rPr lang="en-US" altLang="ja-JP" dirty="0" smtClean="0"/>
+              <a:t> </a:t>
+            </a:r>
+            <a:r>
+              <a:rPr lang="en-US" altLang="ja-JP" dirty="0" err="1"/>
+              <a:t>python3</a:t>
+            </a:r>
+            <a:r>
+              <a:rPr lang="en-US" altLang="ja-JP" dirty="0"/>
+              <a:t> </a:t>
+            </a:r>
+            <a:r>
+              <a:rPr lang="en-US" altLang="ja-JP" dirty="0" err="1" smtClean="0"/>
+              <a:t>udprecv.py</a:t>
+            </a:r>
+            <a:r>
+              <a:rPr lang="en-US" altLang="ja-JP" dirty="0" smtClean="0"/>
+              <a:t> &amp;</a:t>
+            </a:r>
+          </a:p>
+          <a:p>
+            <a:endParaRPr lang="en-US" altLang="ja-JP" dirty="0" smtClean="0"/>
+          </a:p>
+          <a:p>
+            <a:endParaRPr lang="en-US" altLang="ja-JP" dirty="0" smtClean="0"/>
+          </a:p>
+          <a:p>
+            <a:r>
+              <a:rPr lang="ja-JP" altLang="en-US" dirty="0" smtClean="0"/>
+              <a:t>■停止</a:t>
+            </a:r>
+            <a:endParaRPr lang="en-US" altLang="ja-JP" dirty="0"/>
+          </a:p>
+          <a:p>
+            <a:r>
+              <a:rPr lang="en-US" altLang="ja-JP" dirty="0"/>
+              <a:t>	</a:t>
+            </a:r>
+            <a:r>
+              <a:rPr lang="ja-JP" altLang="en-US" dirty="0" smtClean="0"/>
+              <a:t>１．</a:t>
+            </a:r>
+            <a:r>
+              <a:rPr lang="en-US" altLang="ja-JP" dirty="0" err="1"/>
+              <a:t>ubuntu</a:t>
+            </a:r>
+            <a:r>
+              <a:rPr lang="ja-JP" altLang="en-US" dirty="0"/>
+              <a:t>サーバーへ</a:t>
+            </a:r>
+            <a:r>
+              <a:rPr lang="en-US" altLang="ja-JP" dirty="0" err="1"/>
+              <a:t>SSH</a:t>
+            </a:r>
+            <a:r>
+              <a:rPr lang="ja-JP" altLang="en-US" dirty="0"/>
+              <a:t>接続</a:t>
+            </a:r>
+            <a:endParaRPr lang="en-US" altLang="ja-JP" dirty="0"/>
+          </a:p>
+          <a:p>
+            <a:r>
+              <a:rPr kumimoji="1" lang="en-US" altLang="ja-JP" dirty="0" smtClean="0"/>
+              <a:t>	</a:t>
+            </a:r>
+            <a:r>
+              <a:rPr kumimoji="1" lang="ja-JP" altLang="en-US" dirty="0" smtClean="0"/>
+              <a:t>２．</a:t>
+            </a:r>
+            <a:r>
+              <a:rPr kumimoji="1" lang="en-US" altLang="ja-JP" dirty="0" err="1" smtClean="0"/>
+              <a:t>ps</a:t>
+            </a:r>
+            <a:r>
+              <a:rPr kumimoji="1" lang="en-US" altLang="ja-JP" dirty="0" smtClean="0"/>
+              <a:t> aux | grep </a:t>
+            </a:r>
+            <a:r>
+              <a:rPr lang="en-US" altLang="ja-JP" dirty="0" err="1"/>
+              <a:t>python3</a:t>
+            </a:r>
+            <a:r>
+              <a:rPr lang="en-US" altLang="ja-JP" dirty="0"/>
+              <a:t> </a:t>
+            </a:r>
+            <a:endParaRPr lang="en-US" altLang="ja-JP" dirty="0" smtClean="0"/>
+          </a:p>
+          <a:p>
+            <a:r>
+              <a:rPr kumimoji="1" lang="en-US" altLang="ja-JP" dirty="0"/>
+              <a:t>	</a:t>
+            </a:r>
+            <a:r>
+              <a:rPr kumimoji="1" lang="ja-JP" altLang="en-US" dirty="0" smtClean="0"/>
+              <a:t>３．</a:t>
+            </a:r>
+            <a:r>
+              <a:rPr kumimoji="1" lang="en-US" altLang="ja-JP" dirty="0" smtClean="0"/>
+              <a:t>kill -9 </a:t>
+            </a:r>
+            <a:r>
+              <a:rPr kumimoji="1" lang="ja-JP" altLang="en-US" dirty="0" smtClean="0"/>
+              <a:t>該当プロセス</a:t>
+            </a:r>
+            <a:r>
+              <a:rPr kumimoji="1" lang="en-US" altLang="ja-JP" dirty="0" smtClean="0"/>
+              <a:t>ID</a:t>
+            </a:r>
+            <a:endParaRPr kumimoji="1" lang="ja-JP" altLang="en-US" dirty="0"/>
+          </a:p>
+        </p:txBody>
+      </p:sp>
+    </p:spTree>
+    <p:extLst>
+      <p:ext uri="{BB962C8B-B14F-4D97-AF65-F5344CB8AC3E}">
+        <p14:creationId xmlns:p14="http://schemas.microsoft.com/office/powerpoint/2010/main" val="3295638992"/>
       </p:ext>
     </p:extLst>
   </p:cSld>
